--- a/Presentations/CS834-Presentation_4.pptx
+++ b/Presentations/CS834-Presentation_4.pptx
@@ -6797,8 +6797,25 @@
           <a:p>
             <a:r>
               <a:rPr lang="en-US" dirty="0"/>
+              <a:t>Cluster were created “manually” based on known relevance judgements</a:t>
+            </a:r>
+          </a:p>
+          <a:p>
+            <a:r>
+              <a:rPr lang="en-US" dirty="0"/>
               <a:t>Language Model (LM): Probability distribution over all terms in a language vocabulary</a:t>
             </a:r>
+          </a:p>
+          <a:p>
+            <a:r>
+              <a:rPr lang="en-US" dirty="0"/>
+              <a:t>Use language models as a method to automate </a:t>
+            </a:r>
+            <a:r>
+              <a:rPr lang="en-US"/>
+              <a:t>relevance extraction</a:t>
+            </a:r>
+            <a:endParaRPr lang="en-US" dirty="0"/>
           </a:p>
           <a:p>
             <a:r>

--- a/Presentations/CS834-Presentation_4.pptx
+++ b/Presentations/CS834-Presentation_4.pptx
@@ -6796,8 +6796,12 @@
           <a:lstStyle/>
           <a:p>
             <a:r>
-              <a:rPr lang="en-US" dirty="0"/>
-              <a:t>Cluster were created “manually” based on known relevance judgements</a:t>
+              <a:rPr lang="en-US"/>
+              <a:t>Clusters </a:t>
+            </a:r>
+            <a:r>
+              <a:rPr lang="en-US" dirty="0"/>
+              <a:t>were created “manually” based on known relevance judgements</a:t>
             </a:r>
           </a:p>
           <a:p>
@@ -6809,13 +6813,8 @@
           <a:p>
             <a:r>
               <a:rPr lang="en-US" dirty="0"/>
-              <a:t>Use language models as a method to automate </a:t>
-            </a:r>
-            <a:r>
-              <a:rPr lang="en-US"/>
-              <a:t>relevance extraction</a:t>
-            </a:r>
-            <a:endParaRPr lang="en-US" dirty="0"/>
+              <a:t>Use language models as a method to automate relevance extraction</a:t>
+            </a:r>
           </a:p>
           <a:p>
             <a:r>

--- a/Presentations/CS834-Presentation_4.pptx
+++ b/Presentations/CS834-Presentation_4.pptx
@@ -5,10 +5,10 @@
     <p:sldMasterId id="2147483672" r:id="rId1"/>
   </p:sldMasterIdLst>
   <p:notesMasterIdLst>
-    <p:notesMasterId r:id="rId22"/>
+    <p:notesMasterId r:id="rId23"/>
   </p:notesMasterIdLst>
   <p:handoutMasterIdLst>
-    <p:handoutMasterId r:id="rId23"/>
+    <p:handoutMasterId r:id="rId24"/>
   </p:handoutMasterIdLst>
   <p:sldIdLst>
     <p:sldId id="270" r:id="rId2"/>
@@ -23,14 +23,15 @@
     <p:sldId id="277" r:id="rId11"/>
     <p:sldId id="279" r:id="rId12"/>
     <p:sldId id="282" r:id="rId13"/>
-    <p:sldId id="283" r:id="rId14"/>
-    <p:sldId id="284" r:id="rId15"/>
-    <p:sldId id="285" r:id="rId16"/>
-    <p:sldId id="289" r:id="rId17"/>
-    <p:sldId id="290" r:id="rId18"/>
-    <p:sldId id="287" r:id="rId19"/>
-    <p:sldId id="288" r:id="rId20"/>
-    <p:sldId id="286" r:id="rId21"/>
+    <p:sldId id="291" r:id="rId14"/>
+    <p:sldId id="283" r:id="rId15"/>
+    <p:sldId id="284" r:id="rId16"/>
+    <p:sldId id="285" r:id="rId17"/>
+    <p:sldId id="289" r:id="rId18"/>
+    <p:sldId id="290" r:id="rId19"/>
+    <p:sldId id="287" r:id="rId20"/>
+    <p:sldId id="288" r:id="rId21"/>
+    <p:sldId id="286" r:id="rId22"/>
   </p:sldIdLst>
   <p:sldSz cx="12192000" cy="6858000"/>
   <p:notesSz cx="6858000" cy="9144000"/>
@@ -4232,6 +4233,10 @@
               <a:rPr lang="en-US" sz="2400" dirty="0"/>
               <a:t> Liu and W. Bruce Croft </a:t>
             </a:r>
+            <a:r>
+              <a:rPr lang="en-US" sz="4000" dirty="0"/>
+              <a:t/>
+            </a:r>
             <a:br>
               <a:rPr lang="en-US" sz="4000" dirty="0"/>
             </a:br>
@@ -4246,6 +4251,10 @@
               <a:rPr lang="en-US" sz="3200" dirty="0"/>
               <a:t>A Cluster-Based Resampling Method for Pseudo-Relevance Feedback </a:t>
             </a:r>
+            <a:r>
+              <a:rPr lang="en-US" sz="4000" dirty="0"/>
+              <a:t/>
+            </a:r>
             <a:br>
               <a:rPr lang="en-US" sz="4000" dirty="0"/>
             </a:br>
@@ -4253,6 +4262,10 @@
               <a:rPr lang="en-US" sz="2400" dirty="0"/>
               <a:t>Kyung Soon Lee, W. Bruce Croft, and James Allan </a:t>
             </a:r>
+            <a:r>
+              <a:rPr lang="en-US" sz="1600" dirty="0"/>
+              <a:t/>
+            </a:r>
             <a:br>
               <a:rPr lang="en-US" sz="1600" dirty="0"/>
             </a:br>
@@ -4268,7 +4281,7 @@
           <p:cNvPr id="5" name="Subtitle 4">
             <a:extLst>
               <a:ext uri="{FF2B5EF4-FFF2-40B4-BE49-F238E27FC236}">
-                <a16:creationId xmlns:a16="http://schemas.microsoft.com/office/drawing/2014/main" id="{18AC1BCA-678C-48D8-A76C-DFC5C9171733}"/>
+                <a16:creationId xmlns:a16="http://schemas.microsoft.com/office/drawing/2014/main" xmlns="" id="{18AC1BCA-678C-48D8-A76C-DFC5C9171733}"/>
               </a:ext>
             </a:extLst>
           </p:cNvPr>
@@ -4363,7 +4376,7 @@
           <p:cNvPr id="2" name="Title 1">
             <a:extLst>
               <a:ext uri="{FF2B5EF4-FFF2-40B4-BE49-F238E27FC236}">
-                <a16:creationId xmlns:a16="http://schemas.microsoft.com/office/drawing/2014/main" id="{C3ECC90A-AE2E-419E-8D04-0A03CC156A3C}"/>
+                <a16:creationId xmlns:a16="http://schemas.microsoft.com/office/drawing/2014/main" xmlns="" id="{C3ECC90A-AE2E-419E-8D04-0A03CC156A3C}"/>
               </a:ext>
             </a:extLst>
           </p:cNvPr>
@@ -4398,7 +4411,7 @@
           <p:cNvPr id="3" name="Content Placeholder 2">
             <a:extLst>
               <a:ext uri="{FF2B5EF4-FFF2-40B4-BE49-F238E27FC236}">
-                <a16:creationId xmlns:a16="http://schemas.microsoft.com/office/drawing/2014/main" id="{A63D9B54-3723-4E42-B716-0112809B7F4D}"/>
+                <a16:creationId xmlns:a16="http://schemas.microsoft.com/office/drawing/2014/main" xmlns="" id="{A63D9B54-3723-4E42-B716-0112809B7F4D}"/>
               </a:ext>
             </a:extLst>
           </p:cNvPr>
@@ -4460,7 +4473,7 @@
           <p:cNvPr id="4" name="Slide Number Placeholder 3">
             <a:extLst>
               <a:ext uri="{FF2B5EF4-FFF2-40B4-BE49-F238E27FC236}">
-                <a16:creationId xmlns:a16="http://schemas.microsoft.com/office/drawing/2014/main" id="{BCB95CF0-FC59-49E4-ACBA-9F3013C30CD0}"/>
+                <a16:creationId xmlns:a16="http://schemas.microsoft.com/office/drawing/2014/main" xmlns="" id="{BCB95CF0-FC59-49E4-ACBA-9F3013C30CD0}"/>
               </a:ext>
             </a:extLst>
           </p:cNvPr>
@@ -4489,7 +4502,7 @@
           <p:cNvPr id="5" name="Picture 4">
             <a:extLst>
               <a:ext uri="{FF2B5EF4-FFF2-40B4-BE49-F238E27FC236}">
-                <a16:creationId xmlns:a16="http://schemas.microsoft.com/office/drawing/2014/main" id="{8A73B78A-82ED-4061-85B2-99E0DE4CED9E}"/>
+                <a16:creationId xmlns:a16="http://schemas.microsoft.com/office/drawing/2014/main" xmlns="" id="{8A73B78A-82ED-4061-85B2-99E0DE4CED9E}"/>
               </a:ext>
             </a:extLst>
           </p:cNvPr>
@@ -4561,7 +4574,7 @@
           <p:cNvPr id="2" name="Title 1">
             <a:extLst>
               <a:ext uri="{FF2B5EF4-FFF2-40B4-BE49-F238E27FC236}">
-                <a16:creationId xmlns:a16="http://schemas.microsoft.com/office/drawing/2014/main" id="{D5B40966-ACB8-46C3-ADFB-6450D9B55F9D}"/>
+                <a16:creationId xmlns:a16="http://schemas.microsoft.com/office/drawing/2014/main" xmlns="" id="{D5B40966-ACB8-46C3-ADFB-6450D9B55F9D}"/>
               </a:ext>
             </a:extLst>
           </p:cNvPr>
@@ -4596,7 +4609,7 @@
           <p:cNvPr id="3" name="Content Placeholder 2">
             <a:extLst>
               <a:ext uri="{FF2B5EF4-FFF2-40B4-BE49-F238E27FC236}">
-                <a16:creationId xmlns:a16="http://schemas.microsoft.com/office/drawing/2014/main" id="{E0CFC4D0-C548-4A67-B117-5CCF722AD3BA}"/>
+                <a16:creationId xmlns:a16="http://schemas.microsoft.com/office/drawing/2014/main" xmlns="" id="{E0CFC4D0-C548-4A67-B117-5CCF722AD3BA}"/>
               </a:ext>
             </a:extLst>
           </p:cNvPr>
@@ -4659,7 +4672,7 @@
           <p:cNvPr id="4" name="Slide Number Placeholder 3">
             <a:extLst>
               <a:ext uri="{FF2B5EF4-FFF2-40B4-BE49-F238E27FC236}">
-                <a16:creationId xmlns:a16="http://schemas.microsoft.com/office/drawing/2014/main" id="{C70223AD-5FDB-4F64-A666-5BCA4653F198}"/>
+                <a16:creationId xmlns:a16="http://schemas.microsoft.com/office/drawing/2014/main" xmlns="" id="{C70223AD-5FDB-4F64-A666-5BCA4653F198}"/>
               </a:ext>
             </a:extLst>
           </p:cNvPr>
@@ -4688,7 +4701,7 @@
           <p:cNvPr id="5" name="Picture 4">
             <a:extLst>
               <a:ext uri="{FF2B5EF4-FFF2-40B4-BE49-F238E27FC236}">
-                <a16:creationId xmlns:a16="http://schemas.microsoft.com/office/drawing/2014/main" id="{166FC1B2-C7C6-4437-8271-C67E934D6447}"/>
+                <a16:creationId xmlns:a16="http://schemas.microsoft.com/office/drawing/2014/main" xmlns="" id="{166FC1B2-C7C6-4437-8271-C67E934D6447}"/>
               </a:ext>
             </a:extLst>
           </p:cNvPr>
@@ -4791,6 +4804,10 @@
               <a:rPr lang="en-US" sz="2400" dirty="0"/>
               <a:t> Liu and W. Bruce Croft </a:t>
             </a:r>
+            <a:r>
+              <a:rPr lang="en-US" sz="4000" dirty="0"/>
+              <a:t/>
+            </a:r>
             <a:br>
               <a:rPr lang="en-US" sz="4000" dirty="0"/>
             </a:br>
@@ -4805,12 +4822,20 @@
               <a:rPr lang="en-US" sz="3200" dirty="0"/>
               <a:t>A Cluster-Based Resampling Method for Pseudo-Relevance Feedback </a:t>
             </a:r>
+            <a:r>
+              <a:rPr lang="en-US" sz="4000" dirty="0"/>
+              <a:t/>
+            </a:r>
             <a:br>
               <a:rPr lang="en-US" sz="4000" dirty="0"/>
             </a:br>
             <a:r>
               <a:rPr lang="en-US" sz="2400" dirty="0"/>
               <a:t>Kyung Soon Lee, W. Bruce Croft, and James Allan </a:t>
+            </a:r>
+            <a:r>
+              <a:rPr lang="en-US" sz="1600" dirty="0"/>
+              <a:t/>
             </a:r>
             <a:br>
               <a:rPr lang="en-US" sz="1600" dirty="0"/>
@@ -4866,13 +4891,7 @@
       </p:grpSpPr>
       <p:sp>
         <p:nvSpPr>
-          <p:cNvPr id="2" name="Title 1">
-            <a:extLst>
-              <a:ext uri="{FF2B5EF4-FFF2-40B4-BE49-F238E27FC236}">
-                <a16:creationId xmlns:a16="http://schemas.microsoft.com/office/drawing/2014/main" id="{A76F7241-F3F3-4B30-A19E-8CF6B3053DCF}"/>
-              </a:ext>
-            </a:extLst>
-          </p:cNvPr>
+          <p:cNvPr id="2" name="Title 1"/>
           <p:cNvSpPr>
             <a:spLocks noGrp="1"/>
           </p:cNvSpPr>
@@ -4886,21 +4905,16 @@
           <a:lstStyle/>
           <a:p>
             <a:r>
-              <a:rPr lang="en-US" dirty="0"/>
-              <a:t>Pseudo-Relevance Feedback</a:t>
-            </a:r>
-          </a:p>
-        </p:txBody>
-      </p:sp>
-      <p:sp>
-        <p:nvSpPr>
-          <p:cNvPr id="3" name="Content Placeholder 2">
-            <a:extLst>
-              <a:ext uri="{FF2B5EF4-FFF2-40B4-BE49-F238E27FC236}">
-                <a16:creationId xmlns:a16="http://schemas.microsoft.com/office/drawing/2014/main" id="{17608656-EFA7-474D-8219-0CF9B54349BE}"/>
-              </a:ext>
-            </a:extLst>
-          </p:cNvPr>
+              <a:rPr lang="en-US" dirty="0" smtClean="0"/>
+              <a:t>Relevance Feedback</a:t>
+            </a:r>
+            <a:endParaRPr lang="en-US" dirty="0"/>
+          </a:p>
+        </p:txBody>
+      </p:sp>
+      <p:sp>
+        <p:nvSpPr>
+          <p:cNvPr id="3" name="Content Placeholder 2"/>
           <p:cNvSpPr>
             <a:spLocks noGrp="1"/>
           </p:cNvSpPr>
@@ -4914,60 +4928,71 @@
           <a:lstStyle/>
           <a:p>
             <a:r>
-              <a:rPr lang="en-US" dirty="0"/>
-              <a:t>Most pseudo-relevance feedback methods assume that a set of top-retrieved documents is relevant </a:t>
-            </a:r>
-          </a:p>
-          <a:p>
-            <a:r>
-              <a:rPr lang="en-US" dirty="0"/>
-              <a:t>They use this assumption to</a:t>
-            </a:r>
-          </a:p>
-          <a:p>
-            <a:pPr lvl="1"/>
-            <a:r>
-              <a:rPr lang="en-US" dirty="0"/>
-              <a:t>Expand terms</a:t>
-            </a:r>
-          </a:p>
-          <a:p>
-            <a:pPr lvl="1"/>
-            <a:r>
-              <a:rPr lang="en-US" dirty="0"/>
-              <a:t>Assign better weights to the original query</a:t>
-            </a:r>
-          </a:p>
-          <a:p>
-            <a:r>
-              <a:rPr lang="en-US" dirty="0"/>
-              <a:t>However, top retrieved documents may contain non-relevant documents (“noise”)</a:t>
-            </a:r>
-          </a:p>
-          <a:p>
-            <a:pPr lvl="1"/>
-            <a:r>
-              <a:rPr lang="en-US" dirty="0"/>
-              <a:t>Resulting in drifting the query representation away from the original query</a:t>
-            </a:r>
-          </a:p>
-          <a:p>
-            <a:r>
-              <a:rPr lang="en-US" dirty="0"/>
-              <a:t>Selecting the appropriate documents is crucial for effective pseudo-relevance feedback</a:t>
-            </a:r>
-          </a:p>
-        </p:txBody>
-      </p:sp>
-      <p:sp>
-        <p:nvSpPr>
-          <p:cNvPr id="4" name="Slide Number Placeholder 3">
-            <a:extLst>
-              <a:ext uri="{FF2B5EF4-FFF2-40B4-BE49-F238E27FC236}">
-                <a16:creationId xmlns:a16="http://schemas.microsoft.com/office/drawing/2014/main" id="{2C88EC8B-8426-41D7-A0CB-BE3F806E16A6}"/>
-              </a:ext>
-            </a:extLst>
-          </p:cNvPr>
+              <a:rPr lang="en-US" dirty="0" smtClean="0"/>
+              <a:t>Take the results </a:t>
+            </a:r>
+            <a:r>
+              <a:rPr lang="en-US" dirty="0"/>
+              <a:t>that are initially returned from a given </a:t>
+            </a:r>
+            <a:r>
+              <a:rPr lang="en-US" dirty="0" smtClean="0"/>
+              <a:t>query</a:t>
+            </a:r>
+          </a:p>
+          <a:p>
+            <a:endParaRPr lang="en-US" dirty="0" smtClean="0"/>
+          </a:p>
+          <a:p>
+            <a:r>
+              <a:rPr lang="en-US" dirty="0" smtClean="0"/>
+              <a:t>Gather </a:t>
+            </a:r>
+            <a:r>
+              <a:rPr lang="en-US" dirty="0"/>
+              <a:t>user </a:t>
+            </a:r>
+            <a:r>
+              <a:rPr lang="en-US" dirty="0" smtClean="0"/>
+              <a:t>feedback</a:t>
+            </a:r>
+          </a:p>
+          <a:p>
+            <a:endParaRPr lang="en-US" dirty="0" smtClean="0"/>
+          </a:p>
+          <a:p>
+            <a:r>
+              <a:rPr lang="en-US" dirty="0"/>
+              <a:t>U</a:t>
+            </a:r>
+            <a:r>
+              <a:rPr lang="en-US" dirty="0" smtClean="0"/>
+              <a:t>se the feedback to find out whether those </a:t>
+            </a:r>
+            <a:r>
+              <a:rPr lang="en-US" dirty="0"/>
+              <a:t>results are </a:t>
+            </a:r>
+            <a:r>
+              <a:rPr lang="en-US" dirty="0" smtClean="0"/>
+              <a:t>relevant</a:t>
+            </a:r>
+          </a:p>
+          <a:p>
+            <a:endParaRPr lang="en-US" dirty="0"/>
+          </a:p>
+          <a:p>
+            <a:r>
+              <a:rPr lang="en-US" dirty="0" smtClean="0"/>
+              <a:t>Perform a new query based on this information to have better results </a:t>
+            </a:r>
+            <a:endParaRPr lang="en-US" dirty="0"/>
+          </a:p>
+        </p:txBody>
+      </p:sp>
+      <p:sp>
+        <p:nvSpPr>
+          <p:cNvPr id="4" name="Slide Number Placeholder 3"/>
           <p:cNvSpPr>
             <a:spLocks noGrp="1"/>
           </p:cNvSpPr>
@@ -4991,20 +5016,20 @@
     </p:spTree>
     <p:extLst>
       <p:ext uri="{BB962C8B-B14F-4D97-AF65-F5344CB8AC3E}">
-        <p14:creationId xmlns:p14="http://schemas.microsoft.com/office/powerpoint/2010/main" val="4076468362"/>
+        <p14:creationId xmlns:p14="http://schemas.microsoft.com/office/powerpoint/2010/main" val="125499502"/>
       </p:ext>
     </p:extLst>
   </p:cSld>
   <p:clrMapOvr>
     <a:masterClrMapping/>
   </p:clrMapOvr>
-  <mc:AlternateContent xmlns:mc="http://schemas.openxmlformats.org/markup-compatibility/2006" xmlns:p14="http://schemas.microsoft.com/office/powerpoint/2010/main">
-    <mc:Choice Requires="p14">
+  <mc:AlternateContent xmlns:mc="http://schemas.openxmlformats.org/markup-compatibility/2006">
+    <mc:Choice xmlns:p14="http://schemas.microsoft.com/office/powerpoint/2010/main" Requires="p14">
       <p:transition spd="med" p14:dur="700">
         <p:fade/>
       </p:transition>
     </mc:Choice>
-    <mc:Fallback xmlns="">
+    <mc:Fallback>
       <p:transition spd="med">
         <p:fade/>
       </p:transition>
@@ -5035,7 +5060,7 @@
           <p:cNvPr id="2" name="Title 1">
             <a:extLst>
               <a:ext uri="{FF2B5EF4-FFF2-40B4-BE49-F238E27FC236}">
-                <a16:creationId xmlns:a16="http://schemas.microsoft.com/office/drawing/2014/main" id="{F0F2550E-C0B3-4284-9CFC-1627780655BE}"/>
+                <a16:creationId xmlns:a16="http://schemas.microsoft.com/office/drawing/2014/main" xmlns="" id="{A76F7241-F3F3-4B30-A19E-8CF6B3053DCF}"/>
               </a:ext>
             </a:extLst>
           </p:cNvPr>
@@ -5053,7 +5078,7 @@
           <a:p>
             <a:r>
               <a:rPr lang="en-US" dirty="0"/>
-              <a:t>Cluster-based IR and Pseudo-Relevance Feedback</a:t>
+              <a:t>Pseudo-Relevance Feedback</a:t>
             </a:r>
           </a:p>
         </p:txBody>
@@ -5063,7 +5088,7 @@
           <p:cNvPr id="3" name="Content Placeholder 2">
             <a:extLst>
               <a:ext uri="{FF2B5EF4-FFF2-40B4-BE49-F238E27FC236}">
-                <a16:creationId xmlns:a16="http://schemas.microsoft.com/office/drawing/2014/main" id="{76CC019F-BFC8-45C9-A63A-F698E8BE1A22}"/>
+                <a16:creationId xmlns:a16="http://schemas.microsoft.com/office/drawing/2014/main" xmlns="" id="{17608656-EFA7-474D-8219-0CF9B54349BE}"/>
               </a:ext>
             </a:extLst>
           </p:cNvPr>
@@ -5080,70 +5105,56 @@
           <a:lstStyle/>
           <a:p>
             <a:r>
-              <a:rPr lang="en-US" dirty="0"/>
-              <a:t>Selective Resampling Approach</a:t>
+              <a:rPr lang="en-US" dirty="0" smtClean="0"/>
+              <a:t>Same as before but..</a:t>
+            </a:r>
+            <a:endParaRPr lang="en-US" dirty="0" smtClean="0"/>
+          </a:p>
+          <a:p>
+            <a:r>
+              <a:rPr lang="en-US" dirty="0" smtClean="0"/>
+              <a:t>Use top-retrieved documents as feedback instead of user’s response</a:t>
             </a:r>
           </a:p>
           <a:p>
             <a:pPr lvl="1"/>
             <a:r>
-              <a:rPr lang="en-US" dirty="0"/>
-              <a:t>Select randomly from the original sample</a:t>
+              <a:rPr lang="en-US" dirty="0" smtClean="0"/>
+              <a:t>Assuming that top-retrieved documents are relevant </a:t>
+            </a:r>
+            <a:endParaRPr lang="en-US" dirty="0"/>
+          </a:p>
+          <a:p>
+            <a:endParaRPr lang="en-US" dirty="0" smtClean="0"/>
+          </a:p>
+          <a:p>
+            <a:r>
+              <a:rPr lang="en-US" dirty="0" smtClean="0"/>
+              <a:t>However</a:t>
+            </a:r>
+            <a:r>
+              <a:rPr lang="en-US" dirty="0"/>
+              <a:t>, top retrieved documents may contain non-relevant documents (“noise”)</a:t>
             </a:r>
           </a:p>
           <a:p>
             <a:pPr lvl="1"/>
             <a:r>
               <a:rPr lang="en-US" dirty="0"/>
-              <a:t>Selective sampling</a:t>
-            </a:r>
-          </a:p>
-          <a:p>
-            <a:pPr lvl="2"/>
-            <a:r>
-              <a:rPr lang="en-US" dirty="0"/>
-              <a:t>Boosting: Adaptively change the distribution of training examples focusing on weak learners</a:t>
-            </a:r>
-          </a:p>
-          <a:p>
-            <a:pPr lvl="2"/>
-            <a:r>
-              <a:rPr lang="en-US" dirty="0"/>
-              <a:t>Skipping some top retrieved documents</a:t>
-            </a:r>
-          </a:p>
-          <a:p>
-            <a:pPr lvl="2"/>
-            <a:r>
-              <a:rPr lang="en-US" dirty="0"/>
-              <a:t>Using a query-regularized estimation method</a:t>
-            </a:r>
-          </a:p>
-          <a:p>
-            <a:pPr lvl="2"/>
-            <a:r>
-              <a:rPr lang="en-US" dirty="0"/>
-              <a:t>Leaving a single term of the query out as a noisy term</a:t>
-            </a:r>
-          </a:p>
-          <a:p>
-            <a:r>
-              <a:rPr lang="en-US" dirty="0"/>
-              <a:t>Cluster-based Approaches</a:t>
-            </a:r>
-          </a:p>
-          <a:p>
-            <a:pPr lvl="1"/>
-            <a:r>
-              <a:rPr lang="en-US" dirty="0"/>
-              <a:t>Re-ranking using clusters</a:t>
-            </a:r>
-          </a:p>
-          <a:p>
-            <a:pPr lvl="1"/>
-            <a:r>
-              <a:rPr lang="en-US" dirty="0"/>
-              <a:t>Cluster-based resampling</a:t>
+              <a:t>Resulting in drifting the query representation away from the original query</a:t>
+            </a:r>
+          </a:p>
+          <a:p>
+            <a:endParaRPr lang="en-US" dirty="0" smtClean="0"/>
+          </a:p>
+          <a:p>
+            <a:r>
+              <a:rPr lang="en-US" dirty="0" smtClean="0"/>
+              <a:t>Selecting </a:t>
+            </a:r>
+            <a:r>
+              <a:rPr lang="en-US" dirty="0"/>
+              <a:t>the appropriate documents is crucial for effective pseudo-relevance feedback</a:t>
             </a:r>
           </a:p>
         </p:txBody>
@@ -5153,7 +5164,7 @@
           <p:cNvPr id="4" name="Slide Number Placeholder 3">
             <a:extLst>
               <a:ext uri="{FF2B5EF4-FFF2-40B4-BE49-F238E27FC236}">
-                <a16:creationId xmlns:a16="http://schemas.microsoft.com/office/drawing/2014/main" id="{10ACB75C-4632-4894-A01E-8BCE98C9E73E}"/>
+                <a16:creationId xmlns:a16="http://schemas.microsoft.com/office/drawing/2014/main" xmlns="" id="{2C88EC8B-8426-41D7-A0CB-BE3F806E16A6}"/>
               </a:ext>
             </a:extLst>
           </p:cNvPr>
@@ -5180,7 +5191,7 @@
     </p:spTree>
     <p:extLst>
       <p:ext uri="{BB962C8B-B14F-4D97-AF65-F5344CB8AC3E}">
-        <p14:creationId xmlns:p14="http://schemas.microsoft.com/office/powerpoint/2010/main" val="1008809296"/>
+        <p14:creationId xmlns:p14="http://schemas.microsoft.com/office/powerpoint/2010/main" val="4076468362"/>
       </p:ext>
     </p:extLst>
   </p:cSld>
@@ -5224,7 +5235,7 @@
           <p:cNvPr id="2" name="Title 1">
             <a:extLst>
               <a:ext uri="{FF2B5EF4-FFF2-40B4-BE49-F238E27FC236}">
-                <a16:creationId xmlns:a16="http://schemas.microsoft.com/office/drawing/2014/main" id="{53FEE851-DDD2-4615-9E12-40C7BF131602}"/>
+                <a16:creationId xmlns:a16="http://schemas.microsoft.com/office/drawing/2014/main" xmlns="" id="{F0F2550E-C0B3-4284-9CFC-1627780655BE}"/>
               </a:ext>
             </a:extLst>
           </p:cNvPr>
@@ -5242,7 +5253,7 @@
           <a:p>
             <a:r>
               <a:rPr lang="en-US" dirty="0"/>
-              <a:t>Cluster-Based Selective Resampling</a:t>
+              <a:t>Cluster-based IR and Pseudo-Relevance Feedback</a:t>
             </a:r>
           </a:p>
         </p:txBody>
@@ -5252,7 +5263,7 @@
           <p:cNvPr id="3" name="Content Placeholder 2">
             <a:extLst>
               <a:ext uri="{FF2B5EF4-FFF2-40B4-BE49-F238E27FC236}">
-                <a16:creationId xmlns:a16="http://schemas.microsoft.com/office/drawing/2014/main" id="{473AB199-0533-47BA-B86F-6FCB9C7F079F}"/>
+                <a16:creationId xmlns:a16="http://schemas.microsoft.com/office/drawing/2014/main" xmlns="" id="{76CC019F-BFC8-45C9-A63A-F698E8BE1A22}"/>
               </a:ext>
             </a:extLst>
           </p:cNvPr>
@@ -5265,46 +5276,74 @@
         </p:nvSpPr>
         <p:spPr/>
         <p:txBody>
-          <a:bodyPr>
-            <a:normAutofit/>
-          </a:bodyPr>
-          <a:lstStyle/>
-          <a:p>
-            <a:r>
-              <a:rPr lang="en-US" dirty="0"/>
-              <a:t>Based on the language and relevance model frameworks</a:t>
-            </a:r>
-          </a:p>
-          <a:p>
-            <a:endParaRPr lang="en-US" dirty="0"/>
-          </a:p>
-          <a:p>
-            <a:r>
-              <a:rPr lang="en-US" dirty="0"/>
-              <a:t>A dominant document for a query is one with good representation of the topics of a query</a:t>
+          <a:bodyPr/>
+          <a:lstStyle/>
+          <a:p>
+            <a:r>
+              <a:rPr lang="en-US" dirty="0"/>
+              <a:t>Selective Resampling Approach</a:t>
             </a:r>
           </a:p>
           <a:p>
             <a:pPr lvl="1"/>
             <a:r>
               <a:rPr lang="en-US" dirty="0"/>
-              <a:t>For example, one with several nearest neighbors with high similarity</a:t>
+              <a:t>Select randomly from the original sample</a:t>
             </a:r>
           </a:p>
           <a:p>
             <a:pPr lvl="1"/>
             <a:r>
               <a:rPr lang="en-US" dirty="0"/>
-              <a:t>In overlapped clusters, will appear in multiple highly-ranked clusters</a:t>
-            </a:r>
-          </a:p>
-          <a:p>
-            <a:endParaRPr lang="en-US" dirty="0"/>
-          </a:p>
-          <a:p>
-            <a:r>
-              <a:rPr lang="en-US" dirty="0"/>
-              <a:t>From such a dominant document, expansion terms that retrieve related documents can be selected</a:t>
+              <a:t>Selective sampling</a:t>
+            </a:r>
+          </a:p>
+          <a:p>
+            <a:pPr lvl="2"/>
+            <a:r>
+              <a:rPr lang="en-US" dirty="0"/>
+              <a:t>Boosting: Adaptively change the distribution of training examples focusing on weak learners</a:t>
+            </a:r>
+          </a:p>
+          <a:p>
+            <a:pPr lvl="2"/>
+            <a:r>
+              <a:rPr lang="en-US" dirty="0"/>
+              <a:t>Skipping some top retrieved documents</a:t>
+            </a:r>
+          </a:p>
+          <a:p>
+            <a:pPr lvl="2"/>
+            <a:r>
+              <a:rPr lang="en-US" dirty="0"/>
+              <a:t>Using a query-regularized estimation method</a:t>
+            </a:r>
+          </a:p>
+          <a:p>
+            <a:pPr lvl="2"/>
+            <a:r>
+              <a:rPr lang="en-US" dirty="0"/>
+              <a:t>Leaving a single term of the query out as a noisy term</a:t>
+            </a:r>
+          </a:p>
+          <a:p>
+            <a:r>
+              <a:rPr lang="en-US" dirty="0"/>
+              <a:t>Cluster-based Approaches</a:t>
+            </a:r>
+          </a:p>
+          <a:p>
+            <a:pPr lvl="1"/>
+            <a:r>
+              <a:rPr lang="en-US" dirty="0"/>
+              <a:t>Re-ranking using clusters</a:t>
+            </a:r>
+          </a:p>
+          <a:p>
+            <a:pPr lvl="1"/>
+            <a:r>
+              <a:rPr lang="en-US" dirty="0"/>
+              <a:t>Cluster-based resampling</a:t>
             </a:r>
           </a:p>
         </p:txBody>
@@ -5314,7 +5353,7 @@
           <p:cNvPr id="4" name="Slide Number Placeholder 3">
             <a:extLst>
               <a:ext uri="{FF2B5EF4-FFF2-40B4-BE49-F238E27FC236}">
-                <a16:creationId xmlns:a16="http://schemas.microsoft.com/office/drawing/2014/main" id="{EFDF81F0-7C20-48B6-889D-4A8927DB7C74}"/>
+                <a16:creationId xmlns:a16="http://schemas.microsoft.com/office/drawing/2014/main" xmlns="" id="{10ACB75C-4632-4894-A01E-8BCE98C9E73E}"/>
               </a:ext>
             </a:extLst>
           </p:cNvPr>
@@ -5341,7 +5380,7 @@
     </p:spTree>
     <p:extLst>
       <p:ext uri="{BB962C8B-B14F-4D97-AF65-F5344CB8AC3E}">
-        <p14:creationId xmlns:p14="http://schemas.microsoft.com/office/powerpoint/2010/main" val="531013547"/>
+        <p14:creationId xmlns:p14="http://schemas.microsoft.com/office/powerpoint/2010/main" val="1008809296"/>
       </p:ext>
     </p:extLst>
   </p:cSld>
@@ -5385,7 +5424,7 @@
           <p:cNvPr id="2" name="Title 1">
             <a:extLst>
               <a:ext uri="{FF2B5EF4-FFF2-40B4-BE49-F238E27FC236}">
-                <a16:creationId xmlns:a16="http://schemas.microsoft.com/office/drawing/2014/main" id="{939F5232-4973-4C21-9DD2-0A2BA0B7E87E}"/>
+                <a16:creationId xmlns:a16="http://schemas.microsoft.com/office/drawing/2014/main" xmlns="" id="{53FEE851-DDD2-4615-9E12-40C7BF131602}"/>
               </a:ext>
             </a:extLst>
           </p:cNvPr>
@@ -5403,7 +5442,7 @@
           <a:p>
             <a:r>
               <a:rPr lang="en-US" dirty="0"/>
-              <a:t>Resampling Process </a:t>
+              <a:t>Cluster-Based Selective Resampling</a:t>
             </a:r>
           </a:p>
         </p:txBody>
@@ -5413,7 +5452,168 @@
           <p:cNvPr id="3" name="Content Placeholder 2">
             <a:extLst>
               <a:ext uri="{FF2B5EF4-FFF2-40B4-BE49-F238E27FC236}">
-                <a16:creationId xmlns:a16="http://schemas.microsoft.com/office/drawing/2014/main" id="{51E07236-1049-441B-804A-8E4F999DF067}"/>
+                <a16:creationId xmlns:a16="http://schemas.microsoft.com/office/drawing/2014/main" xmlns="" id="{473AB199-0533-47BA-B86F-6FCB9C7F079F}"/>
+              </a:ext>
+            </a:extLst>
+          </p:cNvPr>
+          <p:cNvSpPr>
+            <a:spLocks noGrp="1"/>
+          </p:cNvSpPr>
+          <p:nvPr>
+            <p:ph idx="1"/>
+          </p:nvPr>
+        </p:nvSpPr>
+        <p:spPr/>
+        <p:txBody>
+          <a:bodyPr>
+            <a:normAutofit/>
+          </a:bodyPr>
+          <a:lstStyle/>
+          <a:p>
+            <a:r>
+              <a:rPr lang="en-US" dirty="0"/>
+              <a:t>Based on the language and relevance model frameworks</a:t>
+            </a:r>
+          </a:p>
+          <a:p>
+            <a:endParaRPr lang="en-US" dirty="0"/>
+          </a:p>
+          <a:p>
+            <a:r>
+              <a:rPr lang="en-US" dirty="0"/>
+              <a:t>A dominant document for a query is one with good representation of the topics of a query</a:t>
+            </a:r>
+          </a:p>
+          <a:p>
+            <a:pPr lvl="1"/>
+            <a:r>
+              <a:rPr lang="en-US" dirty="0"/>
+              <a:t>For example, one with several nearest neighbors with high similarity</a:t>
+            </a:r>
+          </a:p>
+          <a:p>
+            <a:pPr lvl="1"/>
+            <a:r>
+              <a:rPr lang="en-US" dirty="0"/>
+              <a:t>In overlapped clusters, will appear in multiple highly-ranked clusters</a:t>
+            </a:r>
+          </a:p>
+          <a:p>
+            <a:endParaRPr lang="en-US" dirty="0"/>
+          </a:p>
+          <a:p>
+            <a:r>
+              <a:rPr lang="en-US" dirty="0"/>
+              <a:t>From such a dominant document, expansion terms that retrieve related documents can be selected</a:t>
+            </a:r>
+          </a:p>
+        </p:txBody>
+      </p:sp>
+      <p:sp>
+        <p:nvSpPr>
+          <p:cNvPr id="4" name="Slide Number Placeholder 3">
+            <a:extLst>
+              <a:ext uri="{FF2B5EF4-FFF2-40B4-BE49-F238E27FC236}">
+                <a16:creationId xmlns:a16="http://schemas.microsoft.com/office/drawing/2014/main" xmlns="" id="{EFDF81F0-7C20-48B6-889D-4A8927DB7C74}"/>
+              </a:ext>
+            </a:extLst>
+          </p:cNvPr>
+          <p:cNvSpPr>
+            <a:spLocks noGrp="1"/>
+          </p:cNvSpPr>
+          <p:nvPr>
+            <p:ph type="sldNum" sz="quarter" idx="12"/>
+          </p:nvPr>
+        </p:nvSpPr>
+        <p:spPr/>
+        <p:txBody>
+          <a:bodyPr/>
+          <a:lstStyle/>
+          <a:p>
+            <a:fld id="{401CF334-2D5C-4859-84A6-CA7E6E43FAEB}" type="slidenum">
+              <a:rPr lang="en-US" smtClean="0"/>
+              <a:t>16</a:t>
+            </a:fld>
+            <a:endParaRPr lang="en-US"/>
+          </a:p>
+        </p:txBody>
+      </p:sp>
+    </p:spTree>
+    <p:extLst>
+      <p:ext uri="{BB962C8B-B14F-4D97-AF65-F5344CB8AC3E}">
+        <p14:creationId xmlns:p14="http://schemas.microsoft.com/office/powerpoint/2010/main" val="531013547"/>
+      </p:ext>
+    </p:extLst>
+  </p:cSld>
+  <p:clrMapOvr>
+    <a:masterClrMapping/>
+  </p:clrMapOvr>
+  <mc:AlternateContent xmlns:mc="http://schemas.openxmlformats.org/markup-compatibility/2006" xmlns:p14="http://schemas.microsoft.com/office/powerpoint/2010/main">
+    <mc:Choice Requires="p14">
+      <p:transition spd="med" p14:dur="700">
+        <p:fade/>
+      </p:transition>
+    </mc:Choice>
+    <mc:Fallback xmlns="">
+      <p:transition spd="med">
+        <p:fade/>
+      </p:transition>
+    </mc:Fallback>
+  </mc:AlternateContent>
+</p:sld>
+</file>
+
+<file path=ppt/slides/slide17.xml><?xml version="1.0" encoding="utf-8"?>
+<p:sld xmlns:a="http://schemas.openxmlformats.org/drawingml/2006/main" xmlns:r="http://schemas.openxmlformats.org/officeDocument/2006/relationships" xmlns:p="http://schemas.openxmlformats.org/presentationml/2006/main">
+  <p:cSld>
+    <p:spTree>
+      <p:nvGrpSpPr>
+        <p:cNvPr id="1" name=""/>
+        <p:cNvGrpSpPr/>
+        <p:nvPr/>
+      </p:nvGrpSpPr>
+      <p:grpSpPr>
+        <a:xfrm>
+          <a:off x="0" y="0"/>
+          <a:ext cx="0" cy="0"/>
+          <a:chOff x="0" y="0"/>
+          <a:chExt cx="0" cy="0"/>
+        </a:xfrm>
+      </p:grpSpPr>
+      <p:sp>
+        <p:nvSpPr>
+          <p:cNvPr id="2" name="Title 1">
+            <a:extLst>
+              <a:ext uri="{FF2B5EF4-FFF2-40B4-BE49-F238E27FC236}">
+                <a16:creationId xmlns:a16="http://schemas.microsoft.com/office/drawing/2014/main" xmlns="" id="{939F5232-4973-4C21-9DD2-0A2BA0B7E87E}"/>
+              </a:ext>
+            </a:extLst>
+          </p:cNvPr>
+          <p:cNvSpPr>
+            <a:spLocks noGrp="1"/>
+          </p:cNvSpPr>
+          <p:nvPr>
+            <p:ph type="title"/>
+          </p:nvPr>
+        </p:nvSpPr>
+        <p:spPr/>
+        <p:txBody>
+          <a:bodyPr/>
+          <a:lstStyle/>
+          <a:p>
+            <a:r>
+              <a:rPr lang="en-US" dirty="0"/>
+              <a:t>Resampling Process </a:t>
+            </a:r>
+          </a:p>
+        </p:txBody>
+      </p:sp>
+      <p:sp>
+        <p:nvSpPr>
+          <p:cNvPr id="3" name="Content Placeholder 2">
+            <a:extLst>
+              <a:ext uri="{FF2B5EF4-FFF2-40B4-BE49-F238E27FC236}">
+                <a16:creationId xmlns:a16="http://schemas.microsoft.com/office/drawing/2014/main" xmlns="" id="{51E07236-1049-441B-804A-8E4F999DF067}"/>
               </a:ext>
             </a:extLst>
           </p:cNvPr>
@@ -5508,8 +5708,13 @@
             <a:pPr marL="857250" lvl="1" indent="-457200"/>
             <a:r>
               <a:rPr lang="en-US" dirty="0"/>
-              <a:t>The dominant documents are repeatedly being fed for the resampling process being considered as relevant</a:t>
-            </a:r>
+              <a:t>The dominant documents are repeatedly being fed for the resampling </a:t>
+            </a:r>
+            <a:r>
+              <a:rPr lang="en-US" dirty="0" smtClean="0"/>
+              <a:t>process</a:t>
+            </a:r>
+            <a:endParaRPr lang="en-US" dirty="0"/>
           </a:p>
           <a:p>
             <a:endParaRPr lang="en-US" dirty="0"/>
@@ -5521,7 +5726,7 @@
           <p:cNvPr id="4" name="Slide Number Placeholder 3">
             <a:extLst>
               <a:ext uri="{FF2B5EF4-FFF2-40B4-BE49-F238E27FC236}">
-                <a16:creationId xmlns:a16="http://schemas.microsoft.com/office/drawing/2014/main" id="{769D9C32-06DA-43E5-9DBE-12DB6E186931}"/>
+                <a16:creationId xmlns:a16="http://schemas.microsoft.com/office/drawing/2014/main" xmlns="" id="{769D9C32-06DA-43E5-9DBE-12DB6E186931}"/>
               </a:ext>
             </a:extLst>
           </p:cNvPr>
@@ -5539,7 +5744,7 @@
           <a:p>
             <a:fld id="{401CF334-2D5C-4859-84A6-CA7E6E43FAEB}" type="slidenum">
               <a:rPr lang="en-US" smtClean="0"/>
-              <a:t>16</a:t>
+              <a:t>17</a:t>
             </a:fld>
             <a:endParaRPr lang="en-US"/>
           </a:p>
@@ -5550,7 +5755,7 @@
           <p:cNvPr id="5" name="Picture 4">
             <a:extLst>
               <a:ext uri="{FF2B5EF4-FFF2-40B4-BE49-F238E27FC236}">
-                <a16:creationId xmlns:a16="http://schemas.microsoft.com/office/drawing/2014/main" id="{F463709A-2BEC-436E-B4E0-33148CCAFD79}"/>
+                <a16:creationId xmlns:a16="http://schemas.microsoft.com/office/drawing/2014/main" xmlns="" id="{F463709A-2BEC-436E-B4E0-33148CCAFD79}"/>
               </a:ext>
             </a:extLst>
           </p:cNvPr>
@@ -5600,7 +5805,7 @@
 </p:sld>
 </file>
 
-<file path=ppt/slides/slide17.xml><?xml version="1.0" encoding="utf-8"?>
+<file path=ppt/slides/slide18.xml><?xml version="1.0" encoding="utf-8"?>
 <p:sld xmlns:a="http://schemas.openxmlformats.org/drawingml/2006/main" xmlns:r="http://schemas.openxmlformats.org/officeDocument/2006/relationships" xmlns:p="http://schemas.openxmlformats.org/presentationml/2006/main">
   <p:cSld>
     <p:spTree>
@@ -5622,7 +5827,7 @@
           <p:cNvPr id="2" name="Title 1">
             <a:extLst>
               <a:ext uri="{FF2B5EF4-FFF2-40B4-BE49-F238E27FC236}">
-                <a16:creationId xmlns:a16="http://schemas.microsoft.com/office/drawing/2014/main" id="{770926C1-0C47-432C-B571-D9708759BC5A}"/>
+                <a16:creationId xmlns:a16="http://schemas.microsoft.com/office/drawing/2014/main" xmlns="" id="{770926C1-0C47-432C-B571-D9708759BC5A}"/>
               </a:ext>
             </a:extLst>
           </p:cNvPr>
@@ -5650,7 +5855,7 @@
           <p:cNvPr id="3" name="Content Placeholder 2">
             <a:extLst>
               <a:ext uri="{FF2B5EF4-FFF2-40B4-BE49-F238E27FC236}">
-                <a16:creationId xmlns:a16="http://schemas.microsoft.com/office/drawing/2014/main" id="{88882559-496A-432F-84D5-480A3B6036BA}"/>
+                <a16:creationId xmlns:a16="http://schemas.microsoft.com/office/drawing/2014/main" xmlns="" id="{88882559-496A-432F-84D5-480A3B6036BA}"/>
               </a:ext>
             </a:extLst>
           </p:cNvPr>
@@ -5741,7 +5946,7 @@
           <p:cNvPr id="4" name="Slide Number Placeholder 3">
             <a:extLst>
               <a:ext uri="{FF2B5EF4-FFF2-40B4-BE49-F238E27FC236}">
-                <a16:creationId xmlns:a16="http://schemas.microsoft.com/office/drawing/2014/main" id="{CF1CE3F9-07AD-45AC-8A37-883446E66A8A}"/>
+                <a16:creationId xmlns:a16="http://schemas.microsoft.com/office/drawing/2014/main" xmlns="" id="{CF1CE3F9-07AD-45AC-8A37-883446E66A8A}"/>
               </a:ext>
             </a:extLst>
           </p:cNvPr>
@@ -5759,7 +5964,7 @@
           <a:p>
             <a:fld id="{401CF334-2D5C-4859-84A6-CA7E6E43FAEB}" type="slidenum">
               <a:rPr lang="en-US" smtClean="0"/>
-              <a:t>17</a:t>
+              <a:t>18</a:t>
             </a:fld>
             <a:endParaRPr lang="en-US"/>
           </a:p>
@@ -5770,7 +5975,7 @@
           <p:cNvPr id="5" name="Picture 4">
             <a:extLst>
               <a:ext uri="{FF2B5EF4-FFF2-40B4-BE49-F238E27FC236}">
-                <a16:creationId xmlns:a16="http://schemas.microsoft.com/office/drawing/2014/main" id="{20376522-06B7-45CD-8FA2-B07FF822CD8D}"/>
+                <a16:creationId xmlns:a16="http://schemas.microsoft.com/office/drawing/2014/main" xmlns="" id="{20376522-06B7-45CD-8FA2-B07FF822CD8D}"/>
               </a:ext>
             </a:extLst>
           </p:cNvPr>
@@ -5800,7 +6005,7 @@
           <p:cNvPr id="6" name="TextBox 5">
             <a:extLst>
               <a:ext uri="{FF2B5EF4-FFF2-40B4-BE49-F238E27FC236}">
-                <a16:creationId xmlns:a16="http://schemas.microsoft.com/office/drawing/2014/main" id="{56892AF9-64DE-4FDC-A8FF-A54A6C9444A8}"/>
+                <a16:creationId xmlns:a16="http://schemas.microsoft.com/office/drawing/2014/main" xmlns="" id="{56892AF9-64DE-4FDC-A8FF-A54A6C9444A8}"/>
               </a:ext>
             </a:extLst>
           </p:cNvPr>
@@ -5855,7 +6060,7 @@
 </p:sld>
 </file>
 
-<file path=ppt/slides/slide18.xml><?xml version="1.0" encoding="utf-8"?>
+<file path=ppt/slides/slide19.xml><?xml version="1.0" encoding="utf-8"?>
 <p:sld xmlns:a="http://schemas.openxmlformats.org/drawingml/2006/main" xmlns:r="http://schemas.openxmlformats.org/officeDocument/2006/relationships" xmlns:p="http://schemas.openxmlformats.org/presentationml/2006/main">
   <p:cSld>
     <p:spTree>
@@ -5877,7 +6082,7 @@
           <p:cNvPr id="2" name="Title 1">
             <a:extLst>
               <a:ext uri="{FF2B5EF4-FFF2-40B4-BE49-F238E27FC236}">
-                <a16:creationId xmlns:a16="http://schemas.microsoft.com/office/drawing/2014/main" id="{4AD48A32-2AA2-4779-BB8C-562D88B19034}"/>
+                <a16:creationId xmlns:a16="http://schemas.microsoft.com/office/drawing/2014/main" xmlns="" id="{4AD48A32-2AA2-4779-BB8C-562D88B19034}"/>
               </a:ext>
             </a:extLst>
           </p:cNvPr>
@@ -5905,7 +6110,7 @@
           <p:cNvPr id="3" name="Content Placeholder 2">
             <a:extLst>
               <a:ext uri="{FF2B5EF4-FFF2-40B4-BE49-F238E27FC236}">
-                <a16:creationId xmlns:a16="http://schemas.microsoft.com/office/drawing/2014/main" id="{9F82D6BE-7D13-4B64-A8D8-460E07F91AB7}"/>
+                <a16:creationId xmlns:a16="http://schemas.microsoft.com/office/drawing/2014/main" xmlns="" id="{9F82D6BE-7D13-4B64-A8D8-460E07F91AB7}"/>
               </a:ext>
             </a:extLst>
           </p:cNvPr>
@@ -5939,7 +6144,7 @@
           <p:cNvPr id="4" name="Slide Number Placeholder 3">
             <a:extLst>
               <a:ext uri="{FF2B5EF4-FFF2-40B4-BE49-F238E27FC236}">
-                <a16:creationId xmlns:a16="http://schemas.microsoft.com/office/drawing/2014/main" id="{8204CD0C-B806-49E9-8678-6B3D54DAD3CB}"/>
+                <a16:creationId xmlns:a16="http://schemas.microsoft.com/office/drawing/2014/main" xmlns="" id="{8204CD0C-B806-49E9-8678-6B3D54DAD3CB}"/>
               </a:ext>
             </a:extLst>
           </p:cNvPr>
@@ -5957,7 +6162,7 @@
           <a:p>
             <a:fld id="{401CF334-2D5C-4859-84A6-CA7E6E43FAEB}" type="slidenum">
               <a:rPr lang="en-US" smtClean="0"/>
-              <a:t>18</a:t>
+              <a:t>19</a:t>
             </a:fld>
             <a:endParaRPr lang="en-US"/>
           </a:p>
@@ -5968,7 +6173,7 @@
           <p:cNvPr id="6" name="Picture 5">
             <a:extLst>
               <a:ext uri="{FF2B5EF4-FFF2-40B4-BE49-F238E27FC236}">
-                <a16:creationId xmlns:a16="http://schemas.microsoft.com/office/drawing/2014/main" id="{EC86241E-1C54-4692-9572-D597C3562450}"/>
+                <a16:creationId xmlns:a16="http://schemas.microsoft.com/office/drawing/2014/main" xmlns="" id="{EC86241E-1C54-4692-9572-D597C3562450}"/>
               </a:ext>
             </a:extLst>
           </p:cNvPr>
@@ -6018,191 +6223,6 @@
 </p:sld>
 </file>
 
-<file path=ppt/slides/slide19.xml><?xml version="1.0" encoding="utf-8"?>
-<p:sld xmlns:a="http://schemas.openxmlformats.org/drawingml/2006/main" xmlns:r="http://schemas.openxmlformats.org/officeDocument/2006/relationships" xmlns:p="http://schemas.openxmlformats.org/presentationml/2006/main">
-  <p:cSld>
-    <p:spTree>
-      <p:nvGrpSpPr>
-        <p:cNvPr id="1" name=""/>
-        <p:cNvGrpSpPr/>
-        <p:nvPr/>
-      </p:nvGrpSpPr>
-      <p:grpSpPr>
-        <a:xfrm>
-          <a:off x="0" y="0"/>
-          <a:ext cx="0" cy="0"/>
-          <a:chOff x="0" y="0"/>
-          <a:chExt cx="0" cy="0"/>
-        </a:xfrm>
-      </p:grpSpPr>
-      <p:sp>
-        <p:nvSpPr>
-          <p:cNvPr id="2" name="Title 1">
-            <a:extLst>
-              <a:ext uri="{FF2B5EF4-FFF2-40B4-BE49-F238E27FC236}">
-                <a16:creationId xmlns:a16="http://schemas.microsoft.com/office/drawing/2014/main" id="{B29C5FF8-289A-44EC-B555-0A520E895DD4}"/>
-              </a:ext>
-            </a:extLst>
-          </p:cNvPr>
-          <p:cNvSpPr>
-            <a:spLocks noGrp="1"/>
-          </p:cNvSpPr>
-          <p:nvPr>
-            <p:ph type="title"/>
-          </p:nvPr>
-        </p:nvSpPr>
-        <p:spPr/>
-        <p:txBody>
-          <a:bodyPr/>
-          <a:lstStyle/>
-          <a:p>
-            <a:r>
-              <a:rPr lang="en-US" dirty="0"/>
-              <a:t>Test Collection Results</a:t>
-            </a:r>
-          </a:p>
-        </p:txBody>
-      </p:sp>
-      <p:sp>
-        <p:nvSpPr>
-          <p:cNvPr id="4" name="Slide Number Placeholder 3">
-            <a:extLst>
-              <a:ext uri="{FF2B5EF4-FFF2-40B4-BE49-F238E27FC236}">
-                <a16:creationId xmlns:a16="http://schemas.microsoft.com/office/drawing/2014/main" id="{A5EC786B-5D35-47D6-B35A-915BCD7F1FA5}"/>
-              </a:ext>
-            </a:extLst>
-          </p:cNvPr>
-          <p:cNvSpPr>
-            <a:spLocks noGrp="1"/>
-          </p:cNvSpPr>
-          <p:nvPr>
-            <p:ph type="sldNum" sz="quarter" idx="12"/>
-          </p:nvPr>
-        </p:nvSpPr>
-        <p:spPr/>
-        <p:txBody>
-          <a:bodyPr/>
-          <a:lstStyle/>
-          <a:p>
-            <a:fld id="{401CF334-2D5C-4859-84A6-CA7E6E43FAEB}" type="slidenum">
-              <a:rPr lang="en-US" smtClean="0"/>
-              <a:t>19</a:t>
-            </a:fld>
-            <a:endParaRPr lang="en-US"/>
-          </a:p>
-        </p:txBody>
-      </p:sp>
-      <p:pic>
-        <p:nvPicPr>
-          <p:cNvPr id="6" name="Content Placeholder 5">
-            <a:extLst>
-              <a:ext uri="{FF2B5EF4-FFF2-40B4-BE49-F238E27FC236}">
-                <a16:creationId xmlns:a16="http://schemas.microsoft.com/office/drawing/2014/main" id="{FEF07653-29CB-4711-8D92-D442ABA685BD}"/>
-              </a:ext>
-            </a:extLst>
-          </p:cNvPr>
-          <p:cNvPicPr>
-            <a:picLocks noGrp="1" noChangeAspect="1"/>
-          </p:cNvPicPr>
-          <p:nvPr>
-            <p:ph idx="1"/>
-          </p:nvPr>
-        </p:nvPicPr>
-        <p:blipFill>
-          <a:blip r:embed="rId2"/>
-          <a:stretch>
-            <a:fillRect/>
-          </a:stretch>
-        </p:blipFill>
-        <p:spPr>
-          <a:xfrm>
-            <a:off x="2146848" y="2660675"/>
-            <a:ext cx="7898304" cy="3205109"/>
-          </a:xfrm>
-          <a:prstGeom prst="rect">
-            <a:avLst/>
-          </a:prstGeom>
-        </p:spPr>
-      </p:pic>
-      <p:sp>
-        <p:nvSpPr>
-          <p:cNvPr id="7" name="TextBox 6">
-            <a:extLst>
-              <a:ext uri="{FF2B5EF4-FFF2-40B4-BE49-F238E27FC236}">
-                <a16:creationId xmlns:a16="http://schemas.microsoft.com/office/drawing/2014/main" id="{A77D9319-D359-4A51-B04E-7B3AA10B03B3}"/>
-              </a:ext>
-            </a:extLst>
-          </p:cNvPr>
-          <p:cNvSpPr txBox="1"/>
-          <p:nvPr/>
-        </p:nvSpPr>
-        <p:spPr>
-          <a:xfrm>
-            <a:off x="2210540" y="1722268"/>
-            <a:ext cx="7317581" cy="646331"/>
-          </a:xfrm>
-          <a:prstGeom prst="rect">
-            <a:avLst/>
-          </a:prstGeom>
-          <a:noFill/>
-        </p:spPr>
-        <p:txBody>
-          <a:bodyPr wrap="none" rtlCol="0">
-            <a:spAutoFit/>
-          </a:bodyPr>
-          <a:lstStyle/>
-          <a:p>
-            <a:r>
-              <a:rPr lang="en-US" dirty="0"/>
-              <a:t>LM: Language Model		RM: Relevance Model</a:t>
-            </a:r>
-            <a:br>
-              <a:rPr lang="en-US" dirty="0"/>
-            </a:br>
-            <a:r>
-              <a:rPr lang="en-US" dirty="0" err="1"/>
-              <a:t>Rerank</a:t>
-            </a:r>
-            <a:r>
-              <a:rPr lang="en-US" dirty="0"/>
-              <a:t>: Reranking using clusters	</a:t>
-            </a:r>
-            <a:r>
-              <a:rPr lang="en-US" dirty="0" err="1"/>
-              <a:t>TrueRF</a:t>
-            </a:r>
-            <a:r>
-              <a:rPr lang="en-US" dirty="0"/>
-              <a:t>: True Relevance Feedback</a:t>
-            </a:r>
-          </a:p>
-        </p:txBody>
-      </p:sp>
-    </p:spTree>
-    <p:extLst>
-      <p:ext uri="{BB962C8B-B14F-4D97-AF65-F5344CB8AC3E}">
-        <p14:creationId xmlns:p14="http://schemas.microsoft.com/office/powerpoint/2010/main" val="1802594192"/>
-      </p:ext>
-    </p:extLst>
-  </p:cSld>
-  <p:clrMapOvr>
-    <a:masterClrMapping/>
-  </p:clrMapOvr>
-  <mc:AlternateContent xmlns:mc="http://schemas.openxmlformats.org/markup-compatibility/2006" xmlns:p14="http://schemas.microsoft.com/office/powerpoint/2010/main">
-    <mc:Choice Requires="p14">
-      <p:transition spd="med" p14:dur="700">
-        <p:fade/>
-      </p:transition>
-    </mc:Choice>
-    <mc:Fallback xmlns="">
-      <p:transition spd="med">
-        <p:fade/>
-      </p:transition>
-    </mc:Fallback>
-  </mc:AlternateContent>
-</p:sld>
-</file>
-
 <file path=ppt/slides/slide2.xml><?xml version="1.0" encoding="utf-8"?>
 <p:sld xmlns:a="http://schemas.openxmlformats.org/drawingml/2006/main" xmlns:r="http://schemas.openxmlformats.org/officeDocument/2006/relationships" xmlns:p="http://schemas.openxmlformats.org/presentationml/2006/main">
   <p:cSld>
@@ -6225,7 +6245,7 @@
           <p:cNvPr id="2" name="Title 1">
             <a:extLst>
               <a:ext uri="{FF2B5EF4-FFF2-40B4-BE49-F238E27FC236}">
-                <a16:creationId xmlns:a16="http://schemas.microsoft.com/office/drawing/2014/main" id="{B96F7CED-CD91-4CA0-A1C8-C8A72C92702C}"/>
+                <a16:creationId xmlns:a16="http://schemas.microsoft.com/office/drawing/2014/main" xmlns="" id="{B96F7CED-CD91-4CA0-A1C8-C8A72C92702C}"/>
               </a:ext>
             </a:extLst>
           </p:cNvPr>
@@ -6253,7 +6273,7 @@
           <p:cNvPr id="3" name="Content Placeholder 2">
             <a:extLst>
               <a:ext uri="{FF2B5EF4-FFF2-40B4-BE49-F238E27FC236}">
-                <a16:creationId xmlns:a16="http://schemas.microsoft.com/office/drawing/2014/main" id="{16841AF9-B7A2-4917-AE3B-EC891A5E9250}"/>
+                <a16:creationId xmlns:a16="http://schemas.microsoft.com/office/drawing/2014/main" xmlns="" id="{16841AF9-B7A2-4917-AE3B-EC891A5E9250}"/>
               </a:ext>
             </a:extLst>
           </p:cNvPr>
@@ -6307,7 +6327,7 @@
           <p:cNvPr id="4" name="Slide Number Placeholder 3">
             <a:extLst>
               <a:ext uri="{FF2B5EF4-FFF2-40B4-BE49-F238E27FC236}">
-                <a16:creationId xmlns:a16="http://schemas.microsoft.com/office/drawing/2014/main" id="{6FE4C4F0-CE3B-41A3-8D0B-E6031237BB45}"/>
+                <a16:creationId xmlns:a16="http://schemas.microsoft.com/office/drawing/2014/main" xmlns="" id="{6FE4C4F0-CE3B-41A3-8D0B-E6031237BB45}"/>
               </a:ext>
             </a:extLst>
           </p:cNvPr>
@@ -6378,7 +6398,7 @@
           <p:cNvPr id="2" name="Title 1">
             <a:extLst>
               <a:ext uri="{FF2B5EF4-FFF2-40B4-BE49-F238E27FC236}">
-                <a16:creationId xmlns:a16="http://schemas.microsoft.com/office/drawing/2014/main" id="{5DB9E727-5A87-4094-9C19-20D0BB3AF2BB}"/>
+                <a16:creationId xmlns:a16="http://schemas.microsoft.com/office/drawing/2014/main" xmlns="" id="{B29C5FF8-289A-44EC-B555-0A520E895DD4}"/>
               </a:ext>
             </a:extLst>
           </p:cNvPr>
@@ -6396,56 +6416,8 @@
           <a:p>
             <a:r>
               <a:rPr lang="en-US" dirty="0"/>
-              <a:t>Justification</a:t>
-            </a:r>
-            <a:r>
-              <a:rPr lang="en-US" b="1" dirty="0"/>
-              <a:t> </a:t>
-            </a:r>
-            <a:r>
-              <a:rPr lang="en-US" dirty="0"/>
-              <a:t>by Relevance Density</a:t>
-            </a:r>
-          </a:p>
-        </p:txBody>
-      </p:sp>
-      <p:sp>
-        <p:nvSpPr>
-          <p:cNvPr id="3" name="Content Placeholder 2">
-            <a:extLst>
-              <a:ext uri="{FF2B5EF4-FFF2-40B4-BE49-F238E27FC236}">
-                <a16:creationId xmlns:a16="http://schemas.microsoft.com/office/drawing/2014/main" id="{54AC6A50-1D83-492B-AFC6-7615665A27B7}"/>
-              </a:ext>
-            </a:extLst>
-          </p:cNvPr>
-          <p:cNvSpPr>
-            <a:spLocks noGrp="1"/>
-          </p:cNvSpPr>
-          <p:nvPr>
-            <p:ph idx="1"/>
-          </p:nvPr>
-        </p:nvSpPr>
-        <p:spPr/>
-        <p:txBody>
-          <a:bodyPr/>
-          <a:lstStyle/>
-          <a:p>
-            <a:r>
-              <a:rPr lang="en-US" dirty="0"/>
-              <a:t>Relevance density is measured to justify the assumption that dominant documents are relevant to the query</a:t>
-            </a:r>
-          </a:p>
-          <a:p>
-            <a:endParaRPr lang="en-US" dirty="0"/>
-          </a:p>
-          <a:p>
-            <a:endParaRPr lang="en-US" dirty="0"/>
-          </a:p>
-          <a:p>
-            <a:endParaRPr lang="en-US" dirty="0"/>
-          </a:p>
-          <a:p>
-            <a:endParaRPr lang="en-US" dirty="0"/>
+              <a:t>Test Collection Results</a:t>
+            </a:r>
           </a:p>
         </p:txBody>
       </p:sp>
@@ -6454,7 +6426,7 @@
           <p:cNvPr id="4" name="Slide Number Placeholder 3">
             <a:extLst>
               <a:ext uri="{FF2B5EF4-FFF2-40B4-BE49-F238E27FC236}">
-                <a16:creationId xmlns:a16="http://schemas.microsoft.com/office/drawing/2014/main" id="{D29C54CC-A19B-406F-B5B3-C17B8C302883}"/>
+                <a16:creationId xmlns:a16="http://schemas.microsoft.com/office/drawing/2014/main" xmlns="" id="{A5EC786B-5D35-47D6-B35A-915BCD7F1FA5}"/>
               </a:ext>
             </a:extLst>
           </p:cNvPr>
@@ -6480,10 +6452,243 @@
       </p:sp>
       <p:pic>
         <p:nvPicPr>
+          <p:cNvPr id="6" name="Content Placeholder 5">
+            <a:extLst>
+              <a:ext uri="{FF2B5EF4-FFF2-40B4-BE49-F238E27FC236}">
+                <a16:creationId xmlns:a16="http://schemas.microsoft.com/office/drawing/2014/main" xmlns="" id="{FEF07653-29CB-4711-8D92-D442ABA685BD}"/>
+              </a:ext>
+            </a:extLst>
+          </p:cNvPr>
+          <p:cNvPicPr>
+            <a:picLocks noGrp="1" noChangeAspect="1"/>
+          </p:cNvPicPr>
+          <p:nvPr>
+            <p:ph idx="1"/>
+          </p:nvPr>
+        </p:nvPicPr>
+        <p:blipFill>
+          <a:blip r:embed="rId2"/>
+          <a:stretch>
+            <a:fillRect/>
+          </a:stretch>
+        </p:blipFill>
+        <p:spPr>
+          <a:xfrm>
+            <a:off x="2146848" y="2660675"/>
+            <a:ext cx="7898304" cy="3205109"/>
+          </a:xfrm>
+          <a:prstGeom prst="rect">
+            <a:avLst/>
+          </a:prstGeom>
+        </p:spPr>
+      </p:pic>
+      <p:sp>
+        <p:nvSpPr>
+          <p:cNvPr id="7" name="TextBox 6">
+            <a:extLst>
+              <a:ext uri="{FF2B5EF4-FFF2-40B4-BE49-F238E27FC236}">
+                <a16:creationId xmlns:a16="http://schemas.microsoft.com/office/drawing/2014/main" xmlns="" id="{A77D9319-D359-4A51-B04E-7B3AA10B03B3}"/>
+              </a:ext>
+            </a:extLst>
+          </p:cNvPr>
+          <p:cNvSpPr txBox="1"/>
+          <p:nvPr/>
+        </p:nvSpPr>
+        <p:spPr>
+          <a:xfrm>
+            <a:off x="2210540" y="1722268"/>
+            <a:ext cx="7317581" cy="646331"/>
+          </a:xfrm>
+          <a:prstGeom prst="rect">
+            <a:avLst/>
+          </a:prstGeom>
+          <a:noFill/>
+        </p:spPr>
+        <p:txBody>
+          <a:bodyPr wrap="none" rtlCol="0">
+            <a:spAutoFit/>
+          </a:bodyPr>
+          <a:lstStyle/>
+          <a:p>
+            <a:r>
+              <a:rPr lang="en-US" dirty="0"/>
+              <a:t>LM: Language Model		RM: Relevance Model</a:t>
+            </a:r>
+            <a:br>
+              <a:rPr lang="en-US" dirty="0"/>
+            </a:br>
+            <a:r>
+              <a:rPr lang="en-US" dirty="0" err="1"/>
+              <a:t>Rerank</a:t>
+            </a:r>
+            <a:r>
+              <a:rPr lang="en-US" dirty="0"/>
+              <a:t>: Reranking using clusters	</a:t>
+            </a:r>
+            <a:r>
+              <a:rPr lang="en-US" dirty="0" err="1"/>
+              <a:t>TrueRF</a:t>
+            </a:r>
+            <a:r>
+              <a:rPr lang="en-US" dirty="0"/>
+              <a:t>: True Relevance Feedback</a:t>
+            </a:r>
+          </a:p>
+        </p:txBody>
+      </p:sp>
+    </p:spTree>
+    <p:extLst>
+      <p:ext uri="{BB962C8B-B14F-4D97-AF65-F5344CB8AC3E}">
+        <p14:creationId xmlns:p14="http://schemas.microsoft.com/office/powerpoint/2010/main" val="1802594192"/>
+      </p:ext>
+    </p:extLst>
+  </p:cSld>
+  <p:clrMapOvr>
+    <a:masterClrMapping/>
+  </p:clrMapOvr>
+  <mc:AlternateContent xmlns:mc="http://schemas.openxmlformats.org/markup-compatibility/2006" xmlns:p14="http://schemas.microsoft.com/office/powerpoint/2010/main">
+    <mc:Choice Requires="p14">
+      <p:transition spd="med" p14:dur="700">
+        <p:fade/>
+      </p:transition>
+    </mc:Choice>
+    <mc:Fallback xmlns="">
+      <p:transition spd="med">
+        <p:fade/>
+      </p:transition>
+    </mc:Fallback>
+  </mc:AlternateContent>
+</p:sld>
+</file>
+
+<file path=ppt/slides/slide21.xml><?xml version="1.0" encoding="utf-8"?>
+<p:sld xmlns:a="http://schemas.openxmlformats.org/drawingml/2006/main" xmlns:r="http://schemas.openxmlformats.org/officeDocument/2006/relationships" xmlns:p="http://schemas.openxmlformats.org/presentationml/2006/main">
+  <p:cSld>
+    <p:spTree>
+      <p:nvGrpSpPr>
+        <p:cNvPr id="1" name=""/>
+        <p:cNvGrpSpPr/>
+        <p:nvPr/>
+      </p:nvGrpSpPr>
+      <p:grpSpPr>
+        <a:xfrm>
+          <a:off x="0" y="0"/>
+          <a:ext cx="0" cy="0"/>
+          <a:chOff x="0" y="0"/>
+          <a:chExt cx="0" cy="0"/>
+        </a:xfrm>
+      </p:grpSpPr>
+      <p:sp>
+        <p:nvSpPr>
+          <p:cNvPr id="2" name="Title 1">
+            <a:extLst>
+              <a:ext uri="{FF2B5EF4-FFF2-40B4-BE49-F238E27FC236}">
+                <a16:creationId xmlns:a16="http://schemas.microsoft.com/office/drawing/2014/main" xmlns="" id="{5DB9E727-5A87-4094-9C19-20D0BB3AF2BB}"/>
+              </a:ext>
+            </a:extLst>
+          </p:cNvPr>
+          <p:cNvSpPr>
+            <a:spLocks noGrp="1"/>
+          </p:cNvSpPr>
+          <p:nvPr>
+            <p:ph type="title"/>
+          </p:nvPr>
+        </p:nvSpPr>
+        <p:spPr/>
+        <p:txBody>
+          <a:bodyPr/>
+          <a:lstStyle/>
+          <a:p>
+            <a:r>
+              <a:rPr lang="en-US" dirty="0"/>
+              <a:t>Justification</a:t>
+            </a:r>
+            <a:r>
+              <a:rPr lang="en-US" b="1" dirty="0"/>
+              <a:t> </a:t>
+            </a:r>
+            <a:r>
+              <a:rPr lang="en-US" dirty="0"/>
+              <a:t>by Relevance Density</a:t>
+            </a:r>
+          </a:p>
+        </p:txBody>
+      </p:sp>
+      <p:sp>
+        <p:nvSpPr>
+          <p:cNvPr id="3" name="Content Placeholder 2">
+            <a:extLst>
+              <a:ext uri="{FF2B5EF4-FFF2-40B4-BE49-F238E27FC236}">
+                <a16:creationId xmlns:a16="http://schemas.microsoft.com/office/drawing/2014/main" xmlns="" id="{54AC6A50-1D83-492B-AFC6-7615665A27B7}"/>
+              </a:ext>
+            </a:extLst>
+          </p:cNvPr>
+          <p:cNvSpPr>
+            <a:spLocks noGrp="1"/>
+          </p:cNvSpPr>
+          <p:nvPr>
+            <p:ph idx="1"/>
+          </p:nvPr>
+        </p:nvSpPr>
+        <p:spPr/>
+        <p:txBody>
+          <a:bodyPr/>
+          <a:lstStyle/>
+          <a:p>
+            <a:r>
+              <a:rPr lang="en-US" dirty="0"/>
+              <a:t>Relevance density is measured to justify the assumption that dominant documents are relevant to the query</a:t>
+            </a:r>
+          </a:p>
+          <a:p>
+            <a:endParaRPr lang="en-US" dirty="0"/>
+          </a:p>
+          <a:p>
+            <a:endParaRPr lang="en-US" dirty="0"/>
+          </a:p>
+          <a:p>
+            <a:endParaRPr lang="en-US" dirty="0"/>
+          </a:p>
+          <a:p>
+            <a:endParaRPr lang="en-US" dirty="0"/>
+          </a:p>
+        </p:txBody>
+      </p:sp>
+      <p:sp>
+        <p:nvSpPr>
+          <p:cNvPr id="4" name="Slide Number Placeholder 3">
+            <a:extLst>
+              <a:ext uri="{FF2B5EF4-FFF2-40B4-BE49-F238E27FC236}">
+                <a16:creationId xmlns:a16="http://schemas.microsoft.com/office/drawing/2014/main" xmlns="" id="{D29C54CC-A19B-406F-B5B3-C17B8C302883}"/>
+              </a:ext>
+            </a:extLst>
+          </p:cNvPr>
+          <p:cNvSpPr>
+            <a:spLocks noGrp="1"/>
+          </p:cNvSpPr>
+          <p:nvPr>
+            <p:ph type="sldNum" sz="quarter" idx="12"/>
+          </p:nvPr>
+        </p:nvSpPr>
+        <p:spPr/>
+        <p:txBody>
+          <a:bodyPr/>
+          <a:lstStyle/>
+          <a:p>
+            <a:fld id="{401CF334-2D5C-4859-84A6-CA7E6E43FAEB}" type="slidenum">
+              <a:rPr lang="en-US" smtClean="0"/>
+              <a:t>21</a:t>
+            </a:fld>
+            <a:endParaRPr lang="en-US"/>
+          </a:p>
+        </p:txBody>
+      </p:sp>
+      <p:pic>
+        <p:nvPicPr>
           <p:cNvPr id="5" name="Picture 4">
             <a:extLst>
               <a:ext uri="{FF2B5EF4-FFF2-40B4-BE49-F238E27FC236}">
-                <a16:creationId xmlns:a16="http://schemas.microsoft.com/office/drawing/2014/main" id="{EBA1CCEA-165A-42F6-ACB5-DC6C6FA2E861}"/>
+                <a16:creationId xmlns:a16="http://schemas.microsoft.com/office/drawing/2014/main" xmlns="" id="{EBA1CCEA-165A-42F6-ACB5-DC6C6FA2E861}"/>
               </a:ext>
             </a:extLst>
           </p:cNvPr>
@@ -6513,7 +6718,7 @@
           <p:cNvPr id="6" name="Picture 5">
             <a:extLst>
               <a:ext uri="{FF2B5EF4-FFF2-40B4-BE49-F238E27FC236}">
-                <a16:creationId xmlns:a16="http://schemas.microsoft.com/office/drawing/2014/main" id="{612B150E-ACD2-44DF-ADEA-606C5D95B021}"/>
+                <a16:creationId xmlns:a16="http://schemas.microsoft.com/office/drawing/2014/main" xmlns="" id="{612B150E-ACD2-44DF-ADEA-606C5D95B021}"/>
               </a:ext>
             </a:extLst>
           </p:cNvPr>
@@ -6585,7 +6790,7 @@
           <p:cNvPr id="2" name="Title 1">
             <a:extLst>
               <a:ext uri="{FF2B5EF4-FFF2-40B4-BE49-F238E27FC236}">
-                <a16:creationId xmlns:a16="http://schemas.microsoft.com/office/drawing/2014/main" id="{161A9962-4272-4E7A-A901-3BC2629CCF87}"/>
+                <a16:creationId xmlns:a16="http://schemas.microsoft.com/office/drawing/2014/main" xmlns="" id="{161A9962-4272-4E7A-A901-3BC2629CCF87}"/>
               </a:ext>
             </a:extLst>
           </p:cNvPr>
@@ -6613,7 +6818,7 @@
           <p:cNvPr id="3" name="Content Placeholder 2">
             <a:extLst>
               <a:ext uri="{FF2B5EF4-FFF2-40B4-BE49-F238E27FC236}">
-                <a16:creationId xmlns:a16="http://schemas.microsoft.com/office/drawing/2014/main" id="{79981F26-3A98-47FB-B0C7-88BA8EDE02BD}"/>
+                <a16:creationId xmlns:a16="http://schemas.microsoft.com/office/drawing/2014/main" xmlns="" id="{79981F26-3A98-47FB-B0C7-88BA8EDE02BD}"/>
               </a:ext>
             </a:extLst>
           </p:cNvPr>
@@ -6624,9 +6829,16 @@
             <p:ph idx="1"/>
           </p:nvPr>
         </p:nvSpPr>
-        <p:spPr/>
-        <p:txBody>
-          <a:bodyPr/>
+        <p:spPr>
+          <a:xfrm>
+            <a:off x="609600" y="1600201"/>
+            <a:ext cx="10972800" cy="4841788"/>
+          </a:xfrm>
+        </p:spPr>
+        <p:txBody>
+          <a:bodyPr>
+            <a:normAutofit/>
+          </a:bodyPr>
           <a:lstStyle/>
           <a:p>
             <a:r>
@@ -6670,8 +6882,42 @@
           <a:p>
             <a:r>
               <a:rPr lang="en-US" dirty="0"/>
-              <a:t>If an optimal cluster exists and IR retrieves it then it will always perform better than a document-based retrieval</a:t>
-            </a:r>
+              <a:t>If an optimal cluster exists and IR retrieves it then it will always perform better than a document-based </a:t>
+            </a:r>
+            <a:r>
+              <a:rPr lang="en-US" dirty="0" smtClean="0"/>
+              <a:t>retrieval</a:t>
+            </a:r>
+          </a:p>
+          <a:p>
+            <a:r>
+              <a:rPr lang="en-US" dirty="0"/>
+              <a:t>Clusters </a:t>
+            </a:r>
+            <a:r>
+              <a:rPr lang="en-US" dirty="0" smtClean="0"/>
+              <a:t>put in use “manually</a:t>
+            </a:r>
+            <a:r>
+              <a:rPr lang="en-US" dirty="0"/>
+              <a:t>” based on </a:t>
+            </a:r>
+            <a:r>
+              <a:rPr lang="en-US" dirty="0" smtClean="0"/>
+              <a:t>already known </a:t>
+            </a:r>
+            <a:r>
+              <a:rPr lang="en-US" dirty="0"/>
+              <a:t>relevance </a:t>
+            </a:r>
+            <a:r>
+              <a:rPr lang="en-US" dirty="0" err="1" smtClean="0"/>
+              <a:t>judgements</a:t>
+            </a:r>
+            <a:endParaRPr lang="en-US" dirty="0"/>
+          </a:p>
+          <a:p>
+            <a:endParaRPr lang="en-US" dirty="0"/>
           </a:p>
         </p:txBody>
       </p:sp>
@@ -6680,7 +6926,7 @@
           <p:cNvPr id="4" name="Slide Number Placeholder 3">
             <a:extLst>
               <a:ext uri="{FF2B5EF4-FFF2-40B4-BE49-F238E27FC236}">
-                <a16:creationId xmlns:a16="http://schemas.microsoft.com/office/drawing/2014/main" id="{FB692D6C-216D-4771-9640-9613ADF35A3C}"/>
+                <a16:creationId xmlns:a16="http://schemas.microsoft.com/office/drawing/2014/main" xmlns="" id="{FB692D6C-216D-4771-9640-9613ADF35A3C}"/>
               </a:ext>
             </a:extLst>
           </p:cNvPr>
@@ -6751,7 +6997,7 @@
           <p:cNvPr id="2" name="Title 1">
             <a:extLst>
               <a:ext uri="{FF2B5EF4-FFF2-40B4-BE49-F238E27FC236}">
-                <a16:creationId xmlns:a16="http://schemas.microsoft.com/office/drawing/2014/main" id="{991A1944-0F16-4278-B645-AA4A1970CC09}"/>
+                <a16:creationId xmlns:a16="http://schemas.microsoft.com/office/drawing/2014/main" xmlns="" id="{991A1944-0F16-4278-B645-AA4A1970CC09}"/>
               </a:ext>
             </a:extLst>
           </p:cNvPr>
@@ -6779,7 +7025,7 @@
           <p:cNvPr id="3" name="Content Placeholder 2">
             <a:extLst>
               <a:ext uri="{FF2B5EF4-FFF2-40B4-BE49-F238E27FC236}">
-                <a16:creationId xmlns:a16="http://schemas.microsoft.com/office/drawing/2014/main" id="{2A54778D-3606-4902-850A-0C333D3B4EEE}"/>
+                <a16:creationId xmlns:a16="http://schemas.microsoft.com/office/drawing/2014/main" xmlns="" id="{2A54778D-3606-4902-850A-0C333D3B4EEE}"/>
               </a:ext>
             </a:extLst>
           </p:cNvPr>
@@ -6790,55 +7036,85 @@
             <p:ph idx="1"/>
           </p:nvPr>
         </p:nvSpPr>
-        <p:spPr/>
-        <p:txBody>
-          <a:bodyPr/>
-          <a:lstStyle/>
-          <a:p>
-            <a:r>
-              <a:rPr lang="en-US"/>
-              <a:t>Clusters </a:t>
-            </a:r>
-            <a:r>
-              <a:rPr lang="en-US" dirty="0"/>
-              <a:t>were created “manually” based on known relevance judgements</a:t>
-            </a:r>
-          </a:p>
-          <a:p>
-            <a:r>
-              <a:rPr lang="en-US" dirty="0"/>
-              <a:t>Language Model (LM): Probability distribution over all terms in a language vocabulary</a:t>
-            </a:r>
-          </a:p>
-          <a:p>
-            <a:r>
-              <a:rPr lang="en-US" dirty="0"/>
-              <a:t>Use language models as a method to automate relevance extraction</a:t>
-            </a:r>
-          </a:p>
-          <a:p>
-            <a:r>
-              <a:rPr lang="en-US" dirty="0"/>
-              <a:t>Organize documents around topics</a:t>
-            </a:r>
-          </a:p>
-          <a:p>
-            <a:r>
-              <a:rPr lang="en-US" dirty="0"/>
-              <a:t>Each cluster represents a topic containing only relevant documents</a:t>
-            </a:r>
-          </a:p>
-          <a:p>
-            <a:r>
-              <a:rPr lang="en-US" dirty="0"/>
-              <a:t>Language models are estimated per cluster</a:t>
-            </a:r>
-          </a:p>
-          <a:p>
-            <a:r>
-              <a:rPr lang="en-US" dirty="0"/>
-              <a:t>Language models are used as a representation of each topic and to select the right topics for a given story(query)</a:t>
-            </a:r>
+        <p:spPr>
+          <a:xfrm>
+            <a:off x="609600" y="1600202"/>
+            <a:ext cx="10972800" cy="4553464"/>
+          </a:xfrm>
+        </p:spPr>
+        <p:txBody>
+          <a:bodyPr>
+            <a:normAutofit/>
+          </a:bodyPr>
+          <a:lstStyle/>
+          <a:p>
+            <a:r>
+              <a:rPr lang="en-US" dirty="0" smtClean="0"/>
+              <a:t>Language </a:t>
+            </a:r>
+            <a:r>
+              <a:rPr lang="en-US" dirty="0"/>
+              <a:t>Model (LM): Probability distribution over all terms in a language </a:t>
+            </a:r>
+            <a:r>
+              <a:rPr lang="en-US" dirty="0" smtClean="0"/>
+              <a:t>vocabulary</a:t>
+            </a:r>
+            <a:endParaRPr lang="en-US" dirty="0"/>
+          </a:p>
+          <a:p>
+            <a:r>
+              <a:rPr lang="en-US" dirty="0" smtClean="0"/>
+              <a:t>Organize </a:t>
+            </a:r>
+            <a:r>
+              <a:rPr lang="en-US" dirty="0"/>
+              <a:t>documents around </a:t>
+            </a:r>
+            <a:r>
+              <a:rPr lang="en-US" dirty="0" smtClean="0"/>
+              <a:t>topics</a:t>
+            </a:r>
+          </a:p>
+          <a:p>
+            <a:endParaRPr lang="en-US" dirty="0"/>
+          </a:p>
+          <a:p>
+            <a:r>
+              <a:rPr lang="en-US" dirty="0"/>
+              <a:t>Each cluster represents a topic containing only relevant </a:t>
+            </a:r>
+            <a:r>
+              <a:rPr lang="en-US" dirty="0" smtClean="0"/>
+              <a:t>documents</a:t>
+            </a:r>
+          </a:p>
+          <a:p>
+            <a:endParaRPr lang="en-US" dirty="0"/>
+          </a:p>
+          <a:p>
+            <a:r>
+              <a:rPr lang="en-US" dirty="0"/>
+              <a:t>Language models are estimated per </a:t>
+            </a:r>
+            <a:r>
+              <a:rPr lang="en-US" dirty="0" smtClean="0"/>
+              <a:t>cluster</a:t>
+            </a:r>
+          </a:p>
+          <a:p>
+            <a:endParaRPr lang="en-US" dirty="0"/>
+          </a:p>
+          <a:p>
+            <a:r>
+              <a:rPr lang="en-US" dirty="0"/>
+              <a:t>Language models are used as a representation of each topic and to select the right topics for a given </a:t>
+            </a:r>
+            <a:r>
+              <a:rPr lang="en-US" dirty="0" smtClean="0"/>
+              <a:t>story</a:t>
+            </a:r>
+            <a:endParaRPr lang="en-US" dirty="0"/>
           </a:p>
           <a:p>
             <a:endParaRPr lang="en-US" dirty="0"/>
@@ -6850,7 +7126,7 @@
           <p:cNvPr id="4" name="Slide Number Placeholder 3">
             <a:extLst>
               <a:ext uri="{FF2B5EF4-FFF2-40B4-BE49-F238E27FC236}">
-                <a16:creationId xmlns:a16="http://schemas.microsoft.com/office/drawing/2014/main" id="{72B0BA97-FC7B-4C22-8A2D-32DFF0A48666}"/>
+                <a16:creationId xmlns:a16="http://schemas.microsoft.com/office/drawing/2014/main" xmlns="" id="{72B0BA97-FC7B-4C22-8A2D-32DFF0A48666}"/>
               </a:ext>
             </a:extLst>
           </p:cNvPr>
@@ -6921,7 +7197,7 @@
           <p:cNvPr id="2" name="Title 1">
             <a:extLst>
               <a:ext uri="{FF2B5EF4-FFF2-40B4-BE49-F238E27FC236}">
-                <a16:creationId xmlns:a16="http://schemas.microsoft.com/office/drawing/2014/main" id="{B81FA04D-EC6D-44DD-B410-828A97AA9799}"/>
+                <a16:creationId xmlns:a16="http://schemas.microsoft.com/office/drawing/2014/main" xmlns="" id="{B81FA04D-EC6D-44DD-B410-828A97AA9799}"/>
               </a:ext>
             </a:extLst>
           </p:cNvPr>
@@ -6956,7 +7232,7 @@
           <p:cNvPr id="3" name="Content Placeholder 2">
             <a:extLst>
               <a:ext uri="{FF2B5EF4-FFF2-40B4-BE49-F238E27FC236}">
-                <a16:creationId xmlns:a16="http://schemas.microsoft.com/office/drawing/2014/main" id="{FF98A7A5-DD12-4160-BB77-8083BEC0DDD5}"/>
+                <a16:creationId xmlns:a16="http://schemas.microsoft.com/office/drawing/2014/main" xmlns="" id="{FF98A7A5-DD12-4160-BB77-8083BEC0DDD5}"/>
               </a:ext>
             </a:extLst>
           </p:cNvPr>
@@ -6974,8 +7250,13 @@
           <a:p>
             <a:r>
               <a:rPr lang="en-US" dirty="0"/>
-              <a:t>The basic approach for using language models for IR is to model the query generation process</a:t>
-            </a:r>
+              <a:t>The basic approach for using language models for IR is to model the query generation </a:t>
+            </a:r>
+            <a:r>
+              <a:rPr lang="en-US" dirty="0" smtClean="0"/>
+              <a:t>process</a:t>
+            </a:r>
+            <a:endParaRPr lang="en-US" dirty="0"/>
           </a:p>
           <a:p>
             <a:r>
@@ -6993,7 +7274,7 @@
           <p:cNvPr id="4" name="Slide Number Placeholder 3">
             <a:extLst>
               <a:ext uri="{FF2B5EF4-FFF2-40B4-BE49-F238E27FC236}">
-                <a16:creationId xmlns:a16="http://schemas.microsoft.com/office/drawing/2014/main" id="{FDE79F00-3C0A-4B0A-B653-7E3931CD221E}"/>
+                <a16:creationId xmlns:a16="http://schemas.microsoft.com/office/drawing/2014/main" xmlns="" id="{FDE79F00-3C0A-4B0A-B653-7E3931CD221E}"/>
               </a:ext>
             </a:extLst>
           </p:cNvPr>
@@ -7022,7 +7303,7 @@
           <p:cNvPr id="5" name="Picture 4">
             <a:extLst>
               <a:ext uri="{FF2B5EF4-FFF2-40B4-BE49-F238E27FC236}">
-                <a16:creationId xmlns:a16="http://schemas.microsoft.com/office/drawing/2014/main" id="{AEAD394D-1773-4DF0-A0A2-5AA55BE7EAB4}"/>
+                <a16:creationId xmlns:a16="http://schemas.microsoft.com/office/drawing/2014/main" xmlns="" id="{AEAD394D-1773-4DF0-A0A2-5AA55BE7EAB4}"/>
               </a:ext>
             </a:extLst>
           </p:cNvPr>
@@ -7054,7 +7335,7 @@
               <p:cNvPr id="6" name="TextBox 5">
                 <a:extLst>
                   <a:ext uri="{FF2B5EF4-FFF2-40B4-BE49-F238E27FC236}">
-                    <a16:creationId xmlns:a16="http://schemas.microsoft.com/office/drawing/2014/main" id="{93C4D3F1-148B-463A-994C-F56C5DFBA1FA}"/>
+                    <a16:creationId xmlns:a16="http://schemas.microsoft.com/office/drawing/2014/main" xmlns="" id="{93C4D3F1-148B-463A-994C-F56C5DFBA1FA}"/>
                   </a:ext>
                 </a:extLst>
               </p:cNvPr>
@@ -7265,7 +7546,7 @@
           <p:cNvPr id="7" name="Picture 6">
             <a:extLst>
               <a:ext uri="{FF2B5EF4-FFF2-40B4-BE49-F238E27FC236}">
-                <a16:creationId xmlns:a16="http://schemas.microsoft.com/office/drawing/2014/main" id="{24E02867-6921-4724-88E9-7DD8A0E6AA02}"/>
+                <a16:creationId xmlns:a16="http://schemas.microsoft.com/office/drawing/2014/main" xmlns="" id="{24E02867-6921-4724-88E9-7DD8A0E6AA02}"/>
               </a:ext>
             </a:extLst>
           </p:cNvPr>
@@ -7337,7 +7618,7 @@
           <p:cNvPr id="2" name="Title 1">
             <a:extLst>
               <a:ext uri="{FF2B5EF4-FFF2-40B4-BE49-F238E27FC236}">
-                <a16:creationId xmlns:a16="http://schemas.microsoft.com/office/drawing/2014/main" id="{78243B59-B4E9-44FA-86E3-A153C8D29B45}"/>
+                <a16:creationId xmlns:a16="http://schemas.microsoft.com/office/drawing/2014/main" xmlns="" id="{78243B59-B4E9-44FA-86E3-A153C8D29B45}"/>
               </a:ext>
             </a:extLst>
           </p:cNvPr>
@@ -7377,7 +7658,7 @@
           <p:cNvPr id="3" name="Content Placeholder 2">
             <a:extLst>
               <a:ext uri="{FF2B5EF4-FFF2-40B4-BE49-F238E27FC236}">
-                <a16:creationId xmlns:a16="http://schemas.microsoft.com/office/drawing/2014/main" id="{4DDCA476-644E-4229-9009-D3AEE7DF4A0A}"/>
+                <a16:creationId xmlns:a16="http://schemas.microsoft.com/office/drawing/2014/main" xmlns="" id="{4DDCA476-644E-4229-9009-D3AEE7DF4A0A}"/>
               </a:ext>
             </a:extLst>
           </p:cNvPr>
@@ -7402,6 +7683,20 @@
               <a:rPr lang="en-US" dirty="0"/>
               <a:t>Rank the clusters (instead of individual documents) according to how likely the query Q could have been generated from their models </a:t>
             </a:r>
+            <a:endParaRPr lang="en-US" dirty="0" smtClean="0"/>
+          </a:p>
+          <a:p>
+            <a:r>
+              <a:rPr lang="en-US" dirty="0" smtClean="0"/>
+              <a:t>Automates </a:t>
+            </a:r>
+            <a:r>
+              <a:rPr lang="en-US" dirty="0"/>
+              <a:t>relevance extraction</a:t>
+            </a:r>
+          </a:p>
+          <a:p>
+            <a:endParaRPr lang="en-US" dirty="0"/>
           </a:p>
         </p:txBody>
       </p:sp>
@@ -7410,7 +7705,7 @@
           <p:cNvPr id="4" name="Picture 3">
             <a:extLst>
               <a:ext uri="{FF2B5EF4-FFF2-40B4-BE49-F238E27FC236}">
-                <a16:creationId xmlns:a16="http://schemas.microsoft.com/office/drawing/2014/main" id="{02300ECC-6E64-459B-864F-CD57F73D0203}"/>
+                <a16:creationId xmlns:a16="http://schemas.microsoft.com/office/drawing/2014/main" xmlns="" id="{02300ECC-6E64-459B-864F-CD57F73D0203}"/>
               </a:ext>
             </a:extLst>
           </p:cNvPr>
@@ -7440,7 +7735,7 @@
           <p:cNvPr id="5" name="Picture 4">
             <a:extLst>
               <a:ext uri="{FF2B5EF4-FFF2-40B4-BE49-F238E27FC236}">
-                <a16:creationId xmlns:a16="http://schemas.microsoft.com/office/drawing/2014/main" id="{7D434A9B-ACBD-4A7F-A336-FA30E8DBC537}"/>
+                <a16:creationId xmlns:a16="http://schemas.microsoft.com/office/drawing/2014/main" xmlns="" id="{7D434A9B-ACBD-4A7F-A336-FA30E8DBC537}"/>
               </a:ext>
             </a:extLst>
           </p:cNvPr>
@@ -7472,7 +7767,7 @@
               <p:cNvPr id="6" name="TextBox 5">
                 <a:extLst>
                   <a:ext uri="{FF2B5EF4-FFF2-40B4-BE49-F238E27FC236}">
-                    <a16:creationId xmlns:a16="http://schemas.microsoft.com/office/drawing/2014/main" id="{D5A514A8-2E2B-4556-880D-5F4385AB3883}"/>
+                    <a16:creationId xmlns:a16="http://schemas.microsoft.com/office/drawing/2014/main" xmlns="" id="{D5A514A8-2E2B-4556-880D-5F4385AB3883}"/>
                   </a:ext>
                 </a:extLst>
               </p:cNvPr>
@@ -7616,7 +7911,7 @@
           <p:cNvPr id="7" name="Slide Number Placeholder 6">
             <a:extLst>
               <a:ext uri="{FF2B5EF4-FFF2-40B4-BE49-F238E27FC236}">
-                <a16:creationId xmlns:a16="http://schemas.microsoft.com/office/drawing/2014/main" id="{45672A70-3DB1-4316-BA66-27C650896819}"/>
+                <a16:creationId xmlns:a16="http://schemas.microsoft.com/office/drawing/2014/main" xmlns="" id="{45672A70-3DB1-4316-BA66-27C650896819}"/>
               </a:ext>
             </a:extLst>
           </p:cNvPr>
@@ -7687,7 +7982,7 @@
           <p:cNvPr id="2" name="Title 1">
             <a:extLst>
               <a:ext uri="{FF2B5EF4-FFF2-40B4-BE49-F238E27FC236}">
-                <a16:creationId xmlns:a16="http://schemas.microsoft.com/office/drawing/2014/main" id="{30759E49-4334-4871-9D1C-7B977633B702}"/>
+                <a16:creationId xmlns:a16="http://schemas.microsoft.com/office/drawing/2014/main" xmlns="" id="{30759E49-4334-4871-9D1C-7B977633B702}"/>
               </a:ext>
             </a:extLst>
           </p:cNvPr>
@@ -7722,7 +8017,7 @@
           <p:cNvPr id="3" name="Content Placeholder 2">
             <a:extLst>
               <a:ext uri="{FF2B5EF4-FFF2-40B4-BE49-F238E27FC236}">
-                <a16:creationId xmlns:a16="http://schemas.microsoft.com/office/drawing/2014/main" id="{A9391DDF-0AD0-49AB-BE91-1314B261A015}"/>
+                <a16:creationId xmlns:a16="http://schemas.microsoft.com/office/drawing/2014/main" xmlns="" id="{A9391DDF-0AD0-49AB-BE91-1314B261A015}"/>
               </a:ext>
             </a:extLst>
           </p:cNvPr>
@@ -7768,7 +8063,7 @@
           <p:cNvPr id="4" name="Picture 3">
             <a:extLst>
               <a:ext uri="{FF2B5EF4-FFF2-40B4-BE49-F238E27FC236}">
-                <a16:creationId xmlns:a16="http://schemas.microsoft.com/office/drawing/2014/main" id="{30038AA3-B269-4D3F-9A30-5208BE512C92}"/>
+                <a16:creationId xmlns:a16="http://schemas.microsoft.com/office/drawing/2014/main" xmlns="" id="{30038AA3-B269-4D3F-9A30-5208BE512C92}"/>
               </a:ext>
             </a:extLst>
           </p:cNvPr>
@@ -7785,7 +8080,7 @@
         </p:blipFill>
         <p:spPr>
           <a:xfrm>
-            <a:off x="2612904" y="2740981"/>
+            <a:off x="2612904" y="2642127"/>
             <a:ext cx="6966192" cy="688019"/>
           </a:xfrm>
           <a:prstGeom prst="rect">
@@ -7798,7 +8093,7 @@
           <p:cNvPr id="5" name="TextBox 4">
             <a:extLst>
               <a:ext uri="{FF2B5EF4-FFF2-40B4-BE49-F238E27FC236}">
-                <a16:creationId xmlns:a16="http://schemas.microsoft.com/office/drawing/2014/main" id="{7DDAFE8F-B9A2-45D6-B3A9-C19F45ED9694}"/>
+                <a16:creationId xmlns:a16="http://schemas.microsoft.com/office/drawing/2014/main" xmlns="" id="{7DDAFE8F-B9A2-45D6-B3A9-C19F45ED9694}"/>
               </a:ext>
             </a:extLst>
           </p:cNvPr>
@@ -7841,7 +8136,7 @@
           <p:cNvPr id="6" name="Slide Number Placeholder 5">
             <a:extLst>
               <a:ext uri="{FF2B5EF4-FFF2-40B4-BE49-F238E27FC236}">
-                <a16:creationId xmlns:a16="http://schemas.microsoft.com/office/drawing/2014/main" id="{216652E3-1DD2-4FA0-AD13-C72DBEBF4B52}"/>
+                <a16:creationId xmlns:a16="http://schemas.microsoft.com/office/drawing/2014/main" xmlns="" id="{216652E3-1DD2-4FA0-AD13-C72DBEBF4B52}"/>
               </a:ext>
             </a:extLst>
           </p:cNvPr>
@@ -7912,7 +8207,7 @@
           <p:cNvPr id="2" name="Title 1">
             <a:extLst>
               <a:ext uri="{FF2B5EF4-FFF2-40B4-BE49-F238E27FC236}">
-                <a16:creationId xmlns:a16="http://schemas.microsoft.com/office/drawing/2014/main" id="{A191D386-1250-411C-8B56-3F1D987A8572}"/>
+                <a16:creationId xmlns:a16="http://schemas.microsoft.com/office/drawing/2014/main" xmlns="" id="{A191D386-1250-411C-8B56-3F1D987A8572}"/>
               </a:ext>
             </a:extLst>
           </p:cNvPr>
@@ -7940,7 +8235,7 @@
           <p:cNvPr id="3" name="Content Placeholder 2">
             <a:extLst>
               <a:ext uri="{FF2B5EF4-FFF2-40B4-BE49-F238E27FC236}">
-                <a16:creationId xmlns:a16="http://schemas.microsoft.com/office/drawing/2014/main" id="{96565FFF-584E-44C6-A23D-199413C608CA}"/>
+                <a16:creationId xmlns:a16="http://schemas.microsoft.com/office/drawing/2014/main" xmlns="" id="{96565FFF-584E-44C6-A23D-199413C608CA}"/>
               </a:ext>
             </a:extLst>
           </p:cNvPr>
@@ -8072,7 +8367,7 @@
           <p:cNvPr id="4" name="Slide Number Placeholder 3">
             <a:extLst>
               <a:ext uri="{FF2B5EF4-FFF2-40B4-BE49-F238E27FC236}">
-                <a16:creationId xmlns:a16="http://schemas.microsoft.com/office/drawing/2014/main" id="{43BC645A-1A67-472F-A4DB-D6B260483049}"/>
+                <a16:creationId xmlns:a16="http://schemas.microsoft.com/office/drawing/2014/main" xmlns="" id="{43BC645A-1A67-472F-A4DB-D6B260483049}"/>
               </a:ext>
             </a:extLst>
           </p:cNvPr>
@@ -8143,7 +8438,7 @@
           <p:cNvPr id="2" name="Title 1">
             <a:extLst>
               <a:ext uri="{FF2B5EF4-FFF2-40B4-BE49-F238E27FC236}">
-                <a16:creationId xmlns:a16="http://schemas.microsoft.com/office/drawing/2014/main" id="{48AE8207-FBDC-4DE5-93A5-B41AA3690E34}"/>
+                <a16:creationId xmlns:a16="http://schemas.microsoft.com/office/drawing/2014/main" xmlns="" id="{48AE8207-FBDC-4DE5-93A5-B41AA3690E34}"/>
               </a:ext>
             </a:extLst>
           </p:cNvPr>
@@ -8171,7 +8466,7 @@
           <p:cNvPr id="5" name="Content Placeholder 4">
             <a:extLst>
               <a:ext uri="{FF2B5EF4-FFF2-40B4-BE49-F238E27FC236}">
-                <a16:creationId xmlns:a16="http://schemas.microsoft.com/office/drawing/2014/main" id="{EEBBF2A2-D836-47C7-A860-7D6BB6E88B21}"/>
+                <a16:creationId xmlns:a16="http://schemas.microsoft.com/office/drawing/2014/main" xmlns="" id="{EEBBF2A2-D836-47C7-A860-7D6BB6E88B21}"/>
               </a:ext>
             </a:extLst>
           </p:cNvPr>
@@ -8190,7 +8485,7 @@
         </p:blipFill>
         <p:spPr>
           <a:xfrm>
-            <a:off x="609600" y="2778040"/>
+            <a:off x="609600" y="2650785"/>
             <a:ext cx="10972800" cy="3760873"/>
           </a:xfrm>
           <a:prstGeom prst="rect">
@@ -8203,7 +8498,7 @@
           <p:cNvPr id="4" name="Slide Number Placeholder 3">
             <a:extLst>
               <a:ext uri="{FF2B5EF4-FFF2-40B4-BE49-F238E27FC236}">
-                <a16:creationId xmlns:a16="http://schemas.microsoft.com/office/drawing/2014/main" id="{5079587A-9BC0-4379-93CD-FE99E75A2D13}"/>
+                <a16:creationId xmlns:a16="http://schemas.microsoft.com/office/drawing/2014/main" xmlns="" id="{5079587A-9BC0-4379-93CD-FE99E75A2D13}"/>
               </a:ext>
             </a:extLst>
           </p:cNvPr>
@@ -8232,7 +8527,7 @@
           <p:cNvPr id="6" name="TextBox 5">
             <a:extLst>
               <a:ext uri="{FF2B5EF4-FFF2-40B4-BE49-F238E27FC236}">
-                <a16:creationId xmlns:a16="http://schemas.microsoft.com/office/drawing/2014/main" id="{16DA8625-2CE6-41D8-ADD2-B7E7242C3F8B}"/>
+                <a16:creationId xmlns:a16="http://schemas.microsoft.com/office/drawing/2014/main" xmlns="" id="{16DA8625-2CE6-41D8-ADD2-B7E7242C3F8B}"/>
               </a:ext>
             </a:extLst>
           </p:cNvPr>
@@ -8241,7 +8536,7 @@
         </p:nvSpPr>
         <p:spPr>
           <a:xfrm>
-            <a:off x="726682" y="1949147"/>
+            <a:off x="718444" y="1727455"/>
             <a:ext cx="10193496" cy="923330"/>
           </a:xfrm>
           <a:prstGeom prst="rect">
